--- a/kltn_bui_ngoc_tuyen.pptx
+++ b/kltn_bui_ngoc_tuyen.pptx
@@ -15,17 +15,18 @@
     <p:sldId id="265" r:id="rId9"/>
     <p:sldId id="266" r:id="rId10"/>
     <p:sldId id="267" r:id="rId11"/>
-    <p:sldId id="268" r:id="rId12"/>
-    <p:sldId id="269" r:id="rId13"/>
-    <p:sldId id="270" r:id="rId14"/>
-    <p:sldId id="271" r:id="rId15"/>
-    <p:sldId id="272" r:id="rId16"/>
-    <p:sldId id="273" r:id="rId17"/>
-    <p:sldId id="274" r:id="rId18"/>
-    <p:sldId id="275" r:id="rId19"/>
-    <p:sldId id="276" r:id="rId20"/>
-    <p:sldId id="277" r:id="rId21"/>
-    <p:sldId id="278" r:id="rId22"/>
+    <p:sldId id="279" r:id="rId12"/>
+    <p:sldId id="268" r:id="rId13"/>
+    <p:sldId id="269" r:id="rId14"/>
+    <p:sldId id="270" r:id="rId15"/>
+    <p:sldId id="271" r:id="rId16"/>
+    <p:sldId id="272" r:id="rId17"/>
+    <p:sldId id="273" r:id="rId18"/>
+    <p:sldId id="274" r:id="rId19"/>
+    <p:sldId id="275" r:id="rId20"/>
+    <p:sldId id="276" r:id="rId21"/>
+    <p:sldId id="277" r:id="rId22"/>
+    <p:sldId id="278" r:id="rId23"/>
   </p:sldIdLst>
   <p:sldSz cx="12192000" cy="6858000"/>
   <p:notesSz cx="6858000" cy="9144000"/>
@@ -865,7 +866,7 @@
           <a:p>
             <a:fld id="{272D96F2-03B5-48F9-91A2-87FD5B54C9D5}" type="datetimeFigureOut">
               <a:rPr lang="vi-VN" smtClean="0"/>
-              <a:t>08/12/2019</a:t>
+              <a:t>11/12/2019</a:t>
             </a:fld>
             <a:endParaRPr lang="vi-VN"/>
           </a:p>
@@ -1116,7 +1117,7 @@
           <a:p>
             <a:fld id="{272D96F2-03B5-48F9-91A2-87FD5B54C9D5}" type="datetimeFigureOut">
               <a:rPr lang="vi-VN" smtClean="0"/>
-              <a:t>08/12/2019</a:t>
+              <a:t>11/12/2019</a:t>
             </a:fld>
             <a:endParaRPr lang="vi-VN"/>
           </a:p>
@@ -1430,7 +1431,7 @@
           <a:p>
             <a:fld id="{272D96F2-03B5-48F9-91A2-87FD5B54C9D5}" type="datetimeFigureOut">
               <a:rPr lang="vi-VN" smtClean="0"/>
-              <a:t>08/12/2019</a:t>
+              <a:t>11/12/2019</a:t>
             </a:fld>
             <a:endParaRPr lang="vi-VN"/>
           </a:p>
@@ -1771,7 +1772,7 @@
           <a:p>
             <a:fld id="{272D96F2-03B5-48F9-91A2-87FD5B54C9D5}" type="datetimeFigureOut">
               <a:rPr lang="vi-VN" smtClean="0"/>
-              <a:t>08/12/2019</a:t>
+              <a:t>11/12/2019</a:t>
             </a:fld>
             <a:endParaRPr lang="vi-VN"/>
           </a:p>
@@ -2085,7 +2086,7 @@
           <a:p>
             <a:fld id="{272D96F2-03B5-48F9-91A2-87FD5B54C9D5}" type="datetimeFigureOut">
               <a:rPr lang="vi-VN" smtClean="0"/>
-              <a:t>08/12/2019</a:t>
+              <a:t>11/12/2019</a:t>
             </a:fld>
             <a:endParaRPr lang="vi-VN"/>
           </a:p>
@@ -2478,7 +2479,7 @@
           <a:p>
             <a:fld id="{272D96F2-03B5-48F9-91A2-87FD5B54C9D5}" type="datetimeFigureOut">
               <a:rPr lang="vi-VN" smtClean="0"/>
-              <a:t>08/12/2019</a:t>
+              <a:t>11/12/2019</a:t>
             </a:fld>
             <a:endParaRPr lang="vi-VN"/>
           </a:p>
@@ -2648,7 +2649,7 @@
           <a:p>
             <a:fld id="{272D96F2-03B5-48F9-91A2-87FD5B54C9D5}" type="datetimeFigureOut">
               <a:rPr lang="vi-VN" smtClean="0"/>
-              <a:t>08/12/2019</a:t>
+              <a:t>11/12/2019</a:t>
             </a:fld>
             <a:endParaRPr lang="vi-VN"/>
           </a:p>
@@ -2828,7 +2829,7 @@
           <a:p>
             <a:fld id="{272D96F2-03B5-48F9-91A2-87FD5B54C9D5}" type="datetimeFigureOut">
               <a:rPr lang="vi-VN" smtClean="0"/>
-              <a:t>08/12/2019</a:t>
+              <a:t>11/12/2019</a:t>
             </a:fld>
             <a:endParaRPr lang="vi-VN"/>
           </a:p>
@@ -3004,7 +3005,7 @@
           <a:p>
             <a:fld id="{272D96F2-03B5-48F9-91A2-87FD5B54C9D5}" type="datetimeFigureOut">
               <a:rPr lang="vi-VN" smtClean="0"/>
-              <a:t>08/12/2019</a:t>
+              <a:t>11/12/2019</a:t>
             </a:fld>
             <a:endParaRPr lang="vi-VN"/>
           </a:p>
@@ -3251,7 +3252,7 @@
           <a:p>
             <a:fld id="{272D96F2-03B5-48F9-91A2-87FD5B54C9D5}" type="datetimeFigureOut">
               <a:rPr lang="vi-VN" smtClean="0"/>
-              <a:t>08/12/2019</a:t>
+              <a:t>11/12/2019</a:t>
             </a:fld>
             <a:endParaRPr lang="vi-VN"/>
           </a:p>
@@ -3483,7 +3484,7 @@
           <a:p>
             <a:fld id="{272D96F2-03B5-48F9-91A2-87FD5B54C9D5}" type="datetimeFigureOut">
               <a:rPr lang="vi-VN" smtClean="0"/>
-              <a:t>08/12/2019</a:t>
+              <a:t>11/12/2019</a:t>
             </a:fld>
             <a:endParaRPr lang="vi-VN"/>
           </a:p>
@@ -3857,7 +3858,7 @@
           <a:p>
             <a:fld id="{272D96F2-03B5-48F9-91A2-87FD5B54C9D5}" type="datetimeFigureOut">
               <a:rPr lang="vi-VN" smtClean="0"/>
-              <a:t>08/12/2019</a:t>
+              <a:t>11/12/2019</a:t>
             </a:fld>
             <a:endParaRPr lang="vi-VN"/>
           </a:p>
@@ -3980,7 +3981,7 @@
           <a:p>
             <a:fld id="{272D96F2-03B5-48F9-91A2-87FD5B54C9D5}" type="datetimeFigureOut">
               <a:rPr lang="vi-VN" smtClean="0"/>
-              <a:t>08/12/2019</a:t>
+              <a:t>11/12/2019</a:t>
             </a:fld>
             <a:endParaRPr lang="vi-VN"/>
           </a:p>
@@ -4075,7 +4076,7 @@
           <a:p>
             <a:fld id="{272D96F2-03B5-48F9-91A2-87FD5B54C9D5}" type="datetimeFigureOut">
               <a:rPr lang="vi-VN" smtClean="0"/>
-              <a:t>08/12/2019</a:t>
+              <a:t>11/12/2019</a:t>
             </a:fld>
             <a:endParaRPr lang="vi-VN"/>
           </a:p>
@@ -4330,7 +4331,7 @@
           <a:p>
             <a:fld id="{272D96F2-03B5-48F9-91A2-87FD5B54C9D5}" type="datetimeFigureOut">
               <a:rPr lang="vi-VN" smtClean="0"/>
-              <a:t>08/12/2019</a:t>
+              <a:t>11/12/2019</a:t>
             </a:fld>
             <a:endParaRPr lang="vi-VN"/>
           </a:p>
@@ -4593,7 +4594,7 @@
           <a:p>
             <a:fld id="{272D96F2-03B5-48F9-91A2-87FD5B54C9D5}" type="datetimeFigureOut">
               <a:rPr lang="vi-VN" smtClean="0"/>
-              <a:t>08/12/2019</a:t>
+              <a:t>11/12/2019</a:t>
             </a:fld>
             <a:endParaRPr lang="vi-VN"/>
           </a:p>
@@ -5336,7 +5337,7 @@
           <a:p>
             <a:fld id="{272D96F2-03B5-48F9-91A2-87FD5B54C9D5}" type="datetimeFigureOut">
               <a:rPr lang="vi-VN" smtClean="0"/>
-              <a:t>08/12/2019</a:t>
+              <a:t>11/12/2019</a:t>
             </a:fld>
             <a:endParaRPr lang="vi-VN"/>
           </a:p>
@@ -5904,7 +5905,30 @@
                 <a:latin typeface="Times New Roman" panose="02020603050405020304" pitchFamily="18" charset="0"/>
                 <a:cs typeface="Times New Roman" panose="02020603050405020304" pitchFamily="18" charset="0"/>
               </a:rPr>
-              <a:t>SINH VIÊN THỰC HIỆN: BÙI NGỌC TUYÊN</a:t>
+              <a:t>SINH VIÊN THỰC HIỆN: BÙI NGỌC </a:t>
+            </a:r>
+            <a:r>
+              <a:rPr lang="en-US" sz="2000" dirty="0" smtClean="0">
+                <a:solidFill>
+                  <a:schemeClr val="tx1"/>
+                </a:solidFill>
+                <a:latin typeface="Times New Roman" panose="02020603050405020304" pitchFamily="18" charset="0"/>
+                <a:cs typeface="Times New Roman" panose="02020603050405020304" pitchFamily="18" charset="0"/>
+              </a:rPr>
+              <a:t>TUYÊN</a:t>
+            </a:r>
+          </a:p>
+          <a:p>
+            <a:pPr algn="l"/>
+            <a:r>
+              <a:rPr lang="en-US" sz="2000" dirty="0" smtClean="0">
+                <a:solidFill>
+                  <a:schemeClr val="tx1"/>
+                </a:solidFill>
+                <a:latin typeface="Times New Roman" panose="02020603050405020304" pitchFamily="18" charset="0"/>
+                <a:cs typeface="Times New Roman" panose="02020603050405020304" pitchFamily="18" charset="0"/>
+              </a:rPr>
+              <a:t>CHUYÊN NGÀNH: CÔNG NGHỆ DỮ LIỆU</a:t>
             </a:r>
             <a:endParaRPr lang="en-US" sz="2000" dirty="0">
               <a:solidFill>
@@ -5927,15 +5951,22 @@
               <a:t>LỚP: </a:t>
             </a:r>
             <a:r>
-              <a:rPr lang="en-US" sz="2000" dirty="0">
+              <a:rPr lang="en-US" sz="2000" dirty="0" smtClean="0">
                 <a:solidFill>
                   <a:schemeClr val="tx1"/>
                 </a:solidFill>
                 <a:latin typeface="Times New Roman" panose="02020603050405020304" pitchFamily="18" charset="0"/>
                 <a:cs typeface="Times New Roman" panose="02020603050405020304" pitchFamily="18" charset="0"/>
               </a:rPr>
-              <a:t>CN_CNDL14</a:t>
-            </a:r>
+              <a:t>CÔNG NGHỆ THÔNG TIN</a:t>
+            </a:r>
+            <a:endParaRPr lang="en-US" sz="2000" dirty="0">
+              <a:solidFill>
+                <a:schemeClr val="tx1"/>
+              </a:solidFill>
+              <a:latin typeface="Times New Roman" panose="02020603050405020304" pitchFamily="18" charset="0"/>
+              <a:cs typeface="Times New Roman" panose="02020603050405020304" pitchFamily="18" charset="0"/>
+            </a:endParaRPr>
           </a:p>
           <a:p>
             <a:pPr algn="l"/>
@@ -5984,7 +6015,7 @@
         <p:spPr>
           <a:xfrm>
             <a:off x="1210614" y="270456"/>
-            <a:ext cx="8023538" cy="1092607"/>
+            <a:ext cx="8023538" cy="1200329"/>
           </a:xfrm>
           <a:prstGeom prst="rect">
             <a:avLst/>
@@ -5999,23 +6030,23 @@
           <a:p>
             <a:pPr algn="ctr"/>
             <a:r>
+              <a:rPr lang="en-US" sz="3600" dirty="0" smtClean="0">
+                <a:latin typeface="Times New Roman" panose="02020603050405020304" pitchFamily="18" charset="0"/>
+                <a:cs typeface="Times New Roman" panose="02020603050405020304" pitchFamily="18" charset="0"/>
+              </a:rPr>
+              <a:t>HỌC VIỆN KỸ THUẬT QUÂN SỰ</a:t>
+            </a:r>
+          </a:p>
+          <a:p>
+            <a:pPr algn="ctr"/>
+            <a:r>
               <a:rPr lang="en-US" sz="3600" b="1" dirty="0" smtClean="0">
                 <a:latin typeface="Times New Roman" panose="02020603050405020304" pitchFamily="18" charset="0"/>
                 <a:cs typeface="Times New Roman" panose="02020603050405020304" pitchFamily="18" charset="0"/>
               </a:rPr>
-              <a:t>HỌC VIỆN KỸ THUẬT QUÂN SỰ</a:t>
-            </a:r>
-          </a:p>
-          <a:p>
-            <a:pPr algn="ctr"/>
-            <a:r>
-              <a:rPr lang="en-US" sz="2900" b="1" dirty="0" smtClean="0">
-                <a:latin typeface="Times New Roman" panose="02020603050405020304" pitchFamily="18" charset="0"/>
-                <a:cs typeface="Times New Roman" panose="02020603050405020304" pitchFamily="18" charset="0"/>
-              </a:rPr>
               <a:t>KHOA CÔNG NGHỆ THÔNG TIN</a:t>
             </a:r>
-            <a:endParaRPr lang="en-US" sz="2900" b="1" dirty="0">
+            <a:endParaRPr lang="en-US" sz="3600" b="1" dirty="0">
               <a:latin typeface="Times New Roman" panose="02020603050405020304" pitchFamily="18" charset="0"/>
               <a:cs typeface="Times New Roman" panose="02020603050405020304" pitchFamily="18" charset="0"/>
             </a:endParaRPr>
@@ -6968,6 +6999,242 @@
         </p:nvSpPr>
         <p:spPr>
           <a:xfrm>
+            <a:off x="-244940" y="843278"/>
+            <a:ext cx="9667322" cy="1200329"/>
+          </a:xfrm>
+          <a:prstGeom prst="rect">
+            <a:avLst/>
+          </a:prstGeom>
+          <a:noFill/>
+        </p:spPr>
+        <p:txBody>
+          <a:bodyPr wrap="square" rtlCol="0">
+            <a:spAutoFit/>
+          </a:bodyPr>
+          <a:lstStyle/>
+          <a:p>
+            <a:r>
+              <a:rPr lang="en-US" sz="2400" dirty="0" smtClean="0">
+                <a:latin typeface="Times New Roman" panose="02020603050405020304" pitchFamily="18" charset="0"/>
+                <a:cs typeface="Times New Roman" panose="02020603050405020304" pitchFamily="18" charset="0"/>
+              </a:rPr>
+              <a:t>              </a:t>
+            </a:r>
+            <a:r>
+              <a:rPr lang="en-US" sz="2400" dirty="0" err="1" smtClean="0">
+                <a:latin typeface="Times New Roman" panose="02020603050405020304" pitchFamily="18" charset="0"/>
+                <a:cs typeface="Times New Roman" panose="02020603050405020304" pitchFamily="18" charset="0"/>
+              </a:rPr>
+              <a:t>Lược</a:t>
+            </a:r>
+            <a:r>
+              <a:rPr lang="en-US" sz="2400" dirty="0" smtClean="0">
+                <a:latin typeface="Times New Roman" panose="02020603050405020304" pitchFamily="18" charset="0"/>
+                <a:cs typeface="Times New Roman" panose="02020603050405020304" pitchFamily="18" charset="0"/>
+              </a:rPr>
+              <a:t> </a:t>
+            </a:r>
+            <a:r>
+              <a:rPr lang="en-US" sz="2400" dirty="0" err="1" smtClean="0">
+                <a:latin typeface="Times New Roman" panose="02020603050405020304" pitchFamily="18" charset="0"/>
+                <a:cs typeface="Times New Roman" panose="02020603050405020304" pitchFamily="18" charset="0"/>
+              </a:rPr>
+              <a:t>đồ</a:t>
+            </a:r>
+            <a:r>
+              <a:rPr lang="en-US" sz="2400" dirty="0" smtClean="0">
+                <a:latin typeface="Times New Roman" panose="02020603050405020304" pitchFamily="18" charset="0"/>
+                <a:cs typeface="Times New Roman" panose="02020603050405020304" pitchFamily="18" charset="0"/>
+              </a:rPr>
+              <a:t> ER:</a:t>
+            </a:r>
+            <a:endParaRPr lang="en-US" sz="2400" dirty="0" smtClean="0">
+              <a:latin typeface="Times New Roman" panose="02020603050405020304" pitchFamily="18" charset="0"/>
+              <a:cs typeface="Times New Roman" panose="02020603050405020304" pitchFamily="18" charset="0"/>
+            </a:endParaRPr>
+          </a:p>
+          <a:p>
+            <a:pPr marL="342900" indent="-342900">
+              <a:buFont typeface="Wingdings" panose="05000000000000000000" pitchFamily="2" charset="2"/>
+              <a:buChar char="v"/>
+            </a:pPr>
+            <a:endParaRPr lang="en-US" sz="2400" dirty="0" smtClean="0">
+              <a:latin typeface="Times New Roman" panose="02020603050405020304" pitchFamily="18" charset="0"/>
+              <a:cs typeface="Times New Roman" panose="02020603050405020304" pitchFamily="18" charset="0"/>
+            </a:endParaRPr>
+          </a:p>
+          <a:p>
+            <a:endParaRPr lang="en-US" sz="2400" dirty="0" smtClean="0">
+              <a:latin typeface="Times New Roman" panose="02020603050405020304" pitchFamily="18" charset="0"/>
+              <a:cs typeface="Times New Roman" panose="02020603050405020304" pitchFamily="18" charset="0"/>
+            </a:endParaRPr>
+          </a:p>
+        </p:txBody>
+      </p:sp>
+      <p:pic>
+        <p:nvPicPr>
+          <p:cNvPr id="5" name="Picture 4"/>
+          <p:cNvPicPr>
+            <a:picLocks noChangeAspect="1" noChangeArrowheads="1"/>
+          </p:cNvPicPr>
+          <p:nvPr/>
+        </p:nvPicPr>
+        <p:blipFill>
+          <a:blip r:embed="rId2" cstate="print">
+            <a:extLst>
+              <a:ext uri="{28A0092B-C50C-407E-A947-70E740481C1C}">
+                <a14:useLocalDpi xmlns:a14="http://schemas.microsoft.com/office/drawing/2010/main" val="0"/>
+              </a:ext>
+            </a:extLst>
+          </a:blip>
+          <a:srcRect/>
+          <a:stretch>
+            <a:fillRect/>
+          </a:stretch>
+        </p:blipFill>
+        <p:spPr bwMode="auto">
+          <a:xfrm>
+            <a:off x="0" y="1314652"/>
+            <a:ext cx="12003110" cy="5047511"/>
+          </a:xfrm>
+          <a:prstGeom prst="rect">
+            <a:avLst/>
+          </a:prstGeom>
+          <a:noFill/>
+          <a:ln>
+            <a:noFill/>
+          </a:ln>
+          <a:extLst>
+            <a:ext uri="{909E8E84-426E-40DD-AFC4-6F175D3DCCD1}">
+              <a14:hiddenFill xmlns:a14="http://schemas.microsoft.com/office/drawing/2010/main">
+                <a:solidFill>
+                  <a:srgbClr xmlns:mc="http://schemas.openxmlformats.org/markup-compatibility/2006" val="FFFFFF" mc:Ignorable="a14" a14:legacySpreadsheetColorIndex="9"/>
+                </a:solidFill>
+              </a14:hiddenFill>
+            </a:ext>
+            <a:ext uri="{91240B29-F687-4F45-9708-019B960494DF}">
+              <a14:hiddenLine xmlns:a14="http://schemas.microsoft.com/office/drawing/2010/main" w="9525">
+                <a:solidFill>
+                  <a:srgbClr xmlns:mc="http://schemas.openxmlformats.org/markup-compatibility/2006" val="000000" mc:Ignorable="a14" a14:legacySpreadsheetColorIndex="64"/>
+                </a:solidFill>
+                <a:miter lim="800000"/>
+                <a:headEnd/>
+                <a:tailEnd/>
+              </a14:hiddenLine>
+            </a:ext>
+          </a:extLst>
+        </p:spPr>
+      </p:pic>
+    </p:spTree>
+    <p:extLst>
+      <p:ext uri="{BB962C8B-B14F-4D97-AF65-F5344CB8AC3E}">
+        <p14:creationId xmlns:p14="http://schemas.microsoft.com/office/powerpoint/2010/main" val="2973187394"/>
+      </p:ext>
+    </p:extLst>
+  </p:cSld>
+  <p:clrMapOvr>
+    <a:masterClrMapping/>
+  </p:clrMapOvr>
+  <p:timing>
+    <p:tnLst>
+      <p:par>
+        <p:cTn id="1" dur="indefinite" restart="never" nodeType="tmRoot"/>
+      </p:par>
+    </p:tnLst>
+  </p:timing>
+</p:sld>
+</file>
+
+<file path=ppt/slides/slide12.xml><?xml version="1.0" encoding="utf-8"?>
+<p:sld xmlns:a="http://schemas.openxmlformats.org/drawingml/2006/main" xmlns:r="http://schemas.openxmlformats.org/officeDocument/2006/relationships" xmlns:p="http://schemas.openxmlformats.org/presentationml/2006/main">
+  <p:cSld>
+    <p:spTree>
+      <p:nvGrpSpPr>
+        <p:cNvPr id="1" name=""/>
+        <p:cNvGrpSpPr/>
+        <p:nvPr/>
+      </p:nvGrpSpPr>
+      <p:grpSpPr>
+        <a:xfrm>
+          <a:off x="0" y="0"/>
+          <a:ext cx="0" cy="0"/>
+          <a:chOff x="0" y="0"/>
+          <a:chExt cx="0" cy="0"/>
+        </a:xfrm>
+      </p:grpSpPr>
+      <p:sp>
+        <p:nvSpPr>
+          <p:cNvPr id="3" name="TextBox 2"/>
+          <p:cNvSpPr txBox="1"/>
+          <p:nvPr/>
+        </p:nvSpPr>
+        <p:spPr>
+          <a:xfrm>
+            <a:off x="1645920" y="196947"/>
+            <a:ext cx="7596554" cy="646331"/>
+          </a:xfrm>
+          <a:prstGeom prst="rect">
+            <a:avLst/>
+          </a:prstGeom>
+          <a:noFill/>
+        </p:spPr>
+        <p:txBody>
+          <a:bodyPr wrap="square" rtlCol="0">
+            <a:spAutoFit/>
+          </a:bodyPr>
+          <a:lstStyle/>
+          <a:p>
+            <a:pPr algn="ctr"/>
+            <a:r>
+              <a:rPr lang="en-US" sz="3600" dirty="0" err="1" smtClean="0">
+                <a:latin typeface="Times New Roman" panose="02020603050405020304" pitchFamily="18" charset="0"/>
+                <a:cs typeface="Times New Roman" panose="02020603050405020304" pitchFamily="18" charset="0"/>
+              </a:rPr>
+              <a:t>Nội</a:t>
+            </a:r>
+            <a:r>
+              <a:rPr lang="en-US" sz="3600" dirty="0" smtClean="0">
+                <a:latin typeface="Times New Roman" panose="02020603050405020304" pitchFamily="18" charset="0"/>
+                <a:cs typeface="Times New Roman" panose="02020603050405020304" pitchFamily="18" charset="0"/>
+              </a:rPr>
+              <a:t> dung </a:t>
+            </a:r>
+            <a:r>
+              <a:rPr lang="en-US" sz="3600" dirty="0" err="1" smtClean="0">
+                <a:latin typeface="Times New Roman" panose="02020603050405020304" pitchFamily="18" charset="0"/>
+                <a:cs typeface="Times New Roman" panose="02020603050405020304" pitchFamily="18" charset="0"/>
+              </a:rPr>
+              <a:t>thực</a:t>
+            </a:r>
+            <a:r>
+              <a:rPr lang="en-US" sz="3600" dirty="0" smtClean="0">
+                <a:latin typeface="Times New Roman" panose="02020603050405020304" pitchFamily="18" charset="0"/>
+                <a:cs typeface="Times New Roman" panose="02020603050405020304" pitchFamily="18" charset="0"/>
+              </a:rPr>
+              <a:t> </a:t>
+            </a:r>
+            <a:r>
+              <a:rPr lang="en-US" sz="3600" dirty="0" err="1" smtClean="0">
+                <a:latin typeface="Times New Roman" panose="02020603050405020304" pitchFamily="18" charset="0"/>
+                <a:cs typeface="Times New Roman" panose="02020603050405020304" pitchFamily="18" charset="0"/>
+              </a:rPr>
+              <a:t>hiện</a:t>
+            </a:r>
+            <a:endParaRPr lang="en-US" sz="3600" dirty="0">
+              <a:latin typeface="Times New Roman" panose="02020603050405020304" pitchFamily="18" charset="0"/>
+              <a:cs typeface="Times New Roman" panose="02020603050405020304" pitchFamily="18" charset="0"/>
+            </a:endParaRPr>
+          </a:p>
+        </p:txBody>
+      </p:sp>
+      <p:sp>
+        <p:nvSpPr>
+          <p:cNvPr id="4" name="TextBox 3"/>
+          <p:cNvSpPr txBox="1"/>
+          <p:nvPr/>
+        </p:nvSpPr>
+        <p:spPr>
+          <a:xfrm>
             <a:off x="180063" y="1271424"/>
             <a:ext cx="9667322" cy="4524315"/>
           </a:xfrm>
@@ -7354,7 +7621,7 @@
 </p:sld>
 </file>
 
-<file path=ppt/slides/slide12.xml><?xml version="1.0" encoding="utf-8"?>
+<file path=ppt/slides/slide13.xml><?xml version="1.0" encoding="utf-8"?>
 <p:sld xmlns:a="http://schemas.openxmlformats.org/drawingml/2006/main" xmlns:r="http://schemas.openxmlformats.org/officeDocument/2006/relationships" xmlns:p="http://schemas.openxmlformats.org/presentationml/2006/main">
   <p:cSld>
     <p:spTree>
@@ -7731,7 +7998,7 @@
 </p:sld>
 </file>
 
-<file path=ppt/slides/slide13.xml><?xml version="1.0" encoding="utf-8"?>
+<file path=ppt/slides/slide14.xml><?xml version="1.0" encoding="utf-8"?>
 <p:sld xmlns:a="http://schemas.openxmlformats.org/drawingml/2006/main" xmlns:r="http://schemas.openxmlformats.org/officeDocument/2006/relationships" xmlns:p="http://schemas.openxmlformats.org/presentationml/2006/main">
   <p:cSld>
     <p:spTree>
@@ -8789,7 +9056,7 @@
 </p:sld>
 </file>
 
-<file path=ppt/slides/slide14.xml><?xml version="1.0" encoding="utf-8"?>
+<file path=ppt/slides/slide15.xml><?xml version="1.0" encoding="utf-8"?>
 <p:sld xmlns:a="http://schemas.openxmlformats.org/drawingml/2006/main" xmlns:r="http://schemas.openxmlformats.org/officeDocument/2006/relationships" xmlns:p="http://schemas.openxmlformats.org/presentationml/2006/main">
   <p:cSld>
     <p:spTree>
@@ -9160,7 +9427,7 @@
 </p:sld>
 </file>
 
-<file path=ppt/slides/slide15.xml><?xml version="1.0" encoding="utf-8"?>
+<file path=ppt/slides/slide16.xml><?xml version="1.0" encoding="utf-8"?>
 <p:sld xmlns:a="http://schemas.openxmlformats.org/drawingml/2006/main" xmlns:r="http://schemas.openxmlformats.org/officeDocument/2006/relationships" xmlns:p="http://schemas.openxmlformats.org/presentationml/2006/main">
   <p:cSld>
     <p:spTree>
@@ -9657,7 +9924,7 @@
 </p:sld>
 </file>
 
-<file path=ppt/slides/slide16.xml><?xml version="1.0" encoding="utf-8"?>
+<file path=ppt/slides/slide17.xml><?xml version="1.0" encoding="utf-8"?>
 <p:sld xmlns:a="http://schemas.openxmlformats.org/drawingml/2006/main" xmlns:r="http://schemas.openxmlformats.org/officeDocument/2006/relationships" xmlns:p="http://schemas.openxmlformats.org/presentationml/2006/main">
   <p:cSld>
     <p:spTree>
@@ -10119,7 +10386,7 @@
 </p:sld>
 </file>
 
-<file path=ppt/slides/slide17.xml><?xml version="1.0" encoding="utf-8"?>
+<file path=ppt/slides/slide18.xml><?xml version="1.0" encoding="utf-8"?>
 <p:sld xmlns:a="http://schemas.openxmlformats.org/drawingml/2006/main" xmlns:r="http://schemas.openxmlformats.org/officeDocument/2006/relationships" xmlns:p="http://schemas.openxmlformats.org/presentationml/2006/main">
   <p:cSld>
     <p:spTree>
@@ -10543,386 +10810,6 @@
 </p:sld>
 </file>
 
-<file path=ppt/slides/slide18.xml><?xml version="1.0" encoding="utf-8"?>
-<p:sld xmlns:a="http://schemas.openxmlformats.org/drawingml/2006/main" xmlns:r="http://schemas.openxmlformats.org/officeDocument/2006/relationships" xmlns:p="http://schemas.openxmlformats.org/presentationml/2006/main">
-  <p:cSld>
-    <p:spTree>
-      <p:nvGrpSpPr>
-        <p:cNvPr id="1" name=""/>
-        <p:cNvGrpSpPr/>
-        <p:nvPr/>
-      </p:nvGrpSpPr>
-      <p:grpSpPr>
-        <a:xfrm>
-          <a:off x="0" y="0"/>
-          <a:ext cx="0" cy="0"/>
-          <a:chOff x="0" y="0"/>
-          <a:chExt cx="0" cy="0"/>
-        </a:xfrm>
-      </p:grpSpPr>
-      <p:sp>
-        <p:nvSpPr>
-          <p:cNvPr id="3" name="TextBox 2"/>
-          <p:cNvSpPr txBox="1"/>
-          <p:nvPr/>
-        </p:nvSpPr>
-        <p:spPr>
-          <a:xfrm>
-            <a:off x="1645920" y="196947"/>
-            <a:ext cx="7596554" cy="646331"/>
-          </a:xfrm>
-          <a:prstGeom prst="rect">
-            <a:avLst/>
-          </a:prstGeom>
-          <a:noFill/>
-        </p:spPr>
-        <p:txBody>
-          <a:bodyPr wrap="square" rtlCol="0">
-            <a:spAutoFit/>
-          </a:bodyPr>
-          <a:lstStyle/>
-          <a:p>
-            <a:pPr algn="ctr"/>
-            <a:r>
-              <a:rPr lang="en-US" sz="3600" dirty="0" err="1" smtClean="0">
-                <a:latin typeface="Times New Roman" panose="02020603050405020304" pitchFamily="18" charset="0"/>
-                <a:cs typeface="Times New Roman" panose="02020603050405020304" pitchFamily="18" charset="0"/>
-              </a:rPr>
-              <a:t>Nội</a:t>
-            </a:r>
-            <a:r>
-              <a:rPr lang="en-US" sz="3600" dirty="0" smtClean="0">
-                <a:latin typeface="Times New Roman" panose="02020603050405020304" pitchFamily="18" charset="0"/>
-                <a:cs typeface="Times New Roman" panose="02020603050405020304" pitchFamily="18" charset="0"/>
-              </a:rPr>
-              <a:t> dung </a:t>
-            </a:r>
-            <a:r>
-              <a:rPr lang="en-US" sz="3600" dirty="0" err="1" smtClean="0">
-                <a:latin typeface="Times New Roman" panose="02020603050405020304" pitchFamily="18" charset="0"/>
-                <a:cs typeface="Times New Roman" panose="02020603050405020304" pitchFamily="18" charset="0"/>
-              </a:rPr>
-              <a:t>thực</a:t>
-            </a:r>
-            <a:r>
-              <a:rPr lang="en-US" sz="3600" dirty="0" smtClean="0">
-                <a:latin typeface="Times New Roman" panose="02020603050405020304" pitchFamily="18" charset="0"/>
-                <a:cs typeface="Times New Roman" panose="02020603050405020304" pitchFamily="18" charset="0"/>
-              </a:rPr>
-              <a:t> </a:t>
-            </a:r>
-            <a:r>
-              <a:rPr lang="en-US" sz="3600" dirty="0" err="1" smtClean="0">
-                <a:latin typeface="Times New Roman" panose="02020603050405020304" pitchFamily="18" charset="0"/>
-                <a:cs typeface="Times New Roman" panose="02020603050405020304" pitchFamily="18" charset="0"/>
-              </a:rPr>
-              <a:t>hiện</a:t>
-            </a:r>
-            <a:endParaRPr lang="en-US" sz="3600" dirty="0">
-              <a:latin typeface="Times New Roman" panose="02020603050405020304" pitchFamily="18" charset="0"/>
-              <a:cs typeface="Times New Roman" panose="02020603050405020304" pitchFamily="18" charset="0"/>
-            </a:endParaRPr>
-          </a:p>
-        </p:txBody>
-      </p:sp>
-      <p:sp>
-        <p:nvSpPr>
-          <p:cNvPr id="4" name="TextBox 3"/>
-          <p:cNvSpPr txBox="1"/>
-          <p:nvPr/>
-        </p:nvSpPr>
-        <p:spPr>
-          <a:xfrm>
-            <a:off x="229235" y="1406765"/>
-            <a:ext cx="9667322" cy="1200329"/>
-          </a:xfrm>
-          <a:prstGeom prst="rect">
-            <a:avLst/>
-          </a:prstGeom>
-          <a:noFill/>
-        </p:spPr>
-        <p:txBody>
-          <a:bodyPr wrap="square" rtlCol="0">
-            <a:spAutoFit/>
-          </a:bodyPr>
-          <a:lstStyle/>
-          <a:p>
-            <a:r>
-              <a:rPr lang="en-US" sz="2400" dirty="0" smtClean="0">
-                <a:latin typeface="Times New Roman" panose="02020603050405020304" pitchFamily="18" charset="0"/>
-                <a:cs typeface="Times New Roman" panose="02020603050405020304" pitchFamily="18" charset="0"/>
-              </a:rPr>
-              <a:t>              </a:t>
-            </a:r>
-            <a:r>
-              <a:rPr lang="en-US" sz="2400" dirty="0" err="1" smtClean="0">
-                <a:latin typeface="Times New Roman" panose="02020603050405020304" pitchFamily="18" charset="0"/>
-                <a:cs typeface="Times New Roman" panose="02020603050405020304" pitchFamily="18" charset="0"/>
-              </a:rPr>
-              <a:t>Giao</a:t>
-            </a:r>
-            <a:r>
-              <a:rPr lang="en-US" sz="2400" dirty="0" smtClean="0">
-                <a:latin typeface="Times New Roman" panose="02020603050405020304" pitchFamily="18" charset="0"/>
-                <a:cs typeface="Times New Roman" panose="02020603050405020304" pitchFamily="18" charset="0"/>
-              </a:rPr>
-              <a:t> </a:t>
-            </a:r>
-            <a:r>
-              <a:rPr lang="en-US" sz="2400" dirty="0" err="1" smtClean="0">
-                <a:latin typeface="Times New Roman" panose="02020603050405020304" pitchFamily="18" charset="0"/>
-                <a:cs typeface="Times New Roman" panose="02020603050405020304" pitchFamily="18" charset="0"/>
-              </a:rPr>
-              <a:t>diện</a:t>
-            </a:r>
-            <a:r>
-              <a:rPr lang="en-US" sz="2400" dirty="0" smtClean="0">
-                <a:latin typeface="Times New Roman" panose="02020603050405020304" pitchFamily="18" charset="0"/>
-                <a:cs typeface="Times New Roman" panose="02020603050405020304" pitchFamily="18" charset="0"/>
-              </a:rPr>
-              <a:t>: </a:t>
-            </a:r>
-            <a:r>
-              <a:rPr lang="en-US" sz="2400" dirty="0" err="1" smtClean="0">
-                <a:latin typeface="Times New Roman" panose="02020603050405020304" pitchFamily="18" charset="0"/>
-                <a:cs typeface="Times New Roman" panose="02020603050405020304" pitchFamily="18" charset="0"/>
-              </a:rPr>
-              <a:t>Nhập</a:t>
-            </a:r>
-            <a:r>
-              <a:rPr lang="en-US" sz="2400" dirty="0" smtClean="0">
-                <a:latin typeface="Times New Roman" panose="02020603050405020304" pitchFamily="18" charset="0"/>
-                <a:cs typeface="Times New Roman" panose="02020603050405020304" pitchFamily="18" charset="0"/>
-              </a:rPr>
-              <a:t> </a:t>
-            </a:r>
-            <a:r>
-              <a:rPr lang="en-US" sz="2400" dirty="0" err="1" smtClean="0">
-                <a:latin typeface="Times New Roman" panose="02020603050405020304" pitchFamily="18" charset="0"/>
-                <a:cs typeface="Times New Roman" panose="02020603050405020304" pitchFamily="18" charset="0"/>
-              </a:rPr>
-              <a:t>truyện</a:t>
-            </a:r>
-            <a:endParaRPr lang="en-US" sz="2400" dirty="0" smtClean="0">
-              <a:latin typeface="Times New Roman" panose="02020603050405020304" pitchFamily="18" charset="0"/>
-              <a:cs typeface="Times New Roman" panose="02020603050405020304" pitchFamily="18" charset="0"/>
-            </a:endParaRPr>
-          </a:p>
-          <a:p>
-            <a:pPr marL="342900" indent="-342900">
-              <a:buFont typeface="Wingdings" panose="05000000000000000000" pitchFamily="2" charset="2"/>
-              <a:buChar char="v"/>
-            </a:pPr>
-            <a:endParaRPr lang="en-US" sz="2400" dirty="0" smtClean="0">
-              <a:latin typeface="Times New Roman" panose="02020603050405020304" pitchFamily="18" charset="0"/>
-              <a:cs typeface="Times New Roman" panose="02020603050405020304" pitchFamily="18" charset="0"/>
-            </a:endParaRPr>
-          </a:p>
-          <a:p>
-            <a:endParaRPr lang="en-US" sz="2400" dirty="0" smtClean="0">
-              <a:latin typeface="Times New Roman" panose="02020603050405020304" pitchFamily="18" charset="0"/>
-              <a:cs typeface="Times New Roman" panose="02020603050405020304" pitchFamily="18" charset="0"/>
-            </a:endParaRPr>
-          </a:p>
-        </p:txBody>
-      </p:sp>
-      <p:sp>
-        <p:nvSpPr>
-          <p:cNvPr id="9" name="TextBox 8"/>
-          <p:cNvSpPr txBox="1"/>
-          <p:nvPr/>
-        </p:nvSpPr>
-        <p:spPr>
-          <a:xfrm>
-            <a:off x="3488126" y="5728844"/>
-            <a:ext cx="5208477" cy="369332"/>
-          </a:xfrm>
-          <a:prstGeom prst="rect">
-            <a:avLst/>
-          </a:prstGeom>
-          <a:noFill/>
-        </p:spPr>
-        <p:txBody>
-          <a:bodyPr wrap="none" rtlCol="0">
-            <a:spAutoFit/>
-          </a:bodyPr>
-          <a:lstStyle/>
-          <a:p>
-            <a:r>
-              <a:rPr lang="en-US" dirty="0" err="1" smtClean="0">
-                <a:latin typeface="Times New Roman" panose="02020603050405020304" pitchFamily="18" charset="0"/>
-                <a:cs typeface="Times New Roman" panose="02020603050405020304" pitchFamily="18" charset="0"/>
-              </a:rPr>
-              <a:t>Danh</a:t>
-            </a:r>
-            <a:r>
-              <a:rPr lang="en-US" dirty="0" smtClean="0">
-                <a:latin typeface="Times New Roman" panose="02020603050405020304" pitchFamily="18" charset="0"/>
-                <a:cs typeface="Times New Roman" panose="02020603050405020304" pitchFamily="18" charset="0"/>
-              </a:rPr>
-              <a:t> </a:t>
-            </a:r>
-            <a:r>
-              <a:rPr lang="en-US" dirty="0" err="1" smtClean="0">
-                <a:latin typeface="Times New Roman" panose="02020603050405020304" pitchFamily="18" charset="0"/>
-                <a:cs typeface="Times New Roman" panose="02020603050405020304" pitchFamily="18" charset="0"/>
-              </a:rPr>
-              <a:t>sách</a:t>
-            </a:r>
-            <a:r>
-              <a:rPr lang="en-US" dirty="0" smtClean="0">
-                <a:latin typeface="Times New Roman" panose="02020603050405020304" pitchFamily="18" charset="0"/>
-                <a:cs typeface="Times New Roman" panose="02020603050405020304" pitchFamily="18" charset="0"/>
-              </a:rPr>
-              <a:t> </a:t>
-            </a:r>
-            <a:r>
-              <a:rPr lang="en-US" dirty="0" err="1" smtClean="0">
-                <a:latin typeface="Times New Roman" panose="02020603050405020304" pitchFamily="18" charset="0"/>
-                <a:cs typeface="Times New Roman" panose="02020603050405020304" pitchFamily="18" charset="0"/>
-              </a:rPr>
-              <a:t>truyện</a:t>
-            </a:r>
-            <a:r>
-              <a:rPr lang="en-US" dirty="0" smtClean="0">
-                <a:latin typeface="Times New Roman" panose="02020603050405020304" pitchFamily="18" charset="0"/>
-                <a:cs typeface="Times New Roman" panose="02020603050405020304" pitchFamily="18" charset="0"/>
-              </a:rPr>
-              <a:t> </a:t>
-            </a:r>
-            <a:r>
-              <a:rPr lang="en-US" dirty="0" err="1" smtClean="0">
-                <a:latin typeface="Times New Roman" panose="02020603050405020304" pitchFamily="18" charset="0"/>
-                <a:cs typeface="Times New Roman" panose="02020603050405020304" pitchFamily="18" charset="0"/>
-              </a:rPr>
-              <a:t>sau</a:t>
-            </a:r>
-            <a:r>
-              <a:rPr lang="en-US" dirty="0" smtClean="0">
-                <a:latin typeface="Times New Roman" panose="02020603050405020304" pitchFamily="18" charset="0"/>
-                <a:cs typeface="Times New Roman" panose="02020603050405020304" pitchFamily="18" charset="0"/>
-              </a:rPr>
-              <a:t> </a:t>
-            </a:r>
-            <a:r>
-              <a:rPr lang="en-US" dirty="0" err="1" smtClean="0">
-                <a:latin typeface="Times New Roman" panose="02020603050405020304" pitchFamily="18" charset="0"/>
-                <a:cs typeface="Times New Roman" panose="02020603050405020304" pitchFamily="18" charset="0"/>
-              </a:rPr>
-              <a:t>khi</a:t>
-            </a:r>
-            <a:r>
-              <a:rPr lang="en-US" dirty="0" smtClean="0">
-                <a:latin typeface="Times New Roman" panose="02020603050405020304" pitchFamily="18" charset="0"/>
-                <a:cs typeface="Times New Roman" panose="02020603050405020304" pitchFamily="18" charset="0"/>
-              </a:rPr>
-              <a:t> được </a:t>
-            </a:r>
-            <a:r>
-              <a:rPr lang="en-US" dirty="0" err="1" smtClean="0">
-                <a:latin typeface="Times New Roman" panose="02020603050405020304" pitchFamily="18" charset="0"/>
-                <a:cs typeface="Times New Roman" panose="02020603050405020304" pitchFamily="18" charset="0"/>
-              </a:rPr>
-              <a:t>nhập</a:t>
-            </a:r>
-            <a:r>
-              <a:rPr lang="en-US" dirty="0" smtClean="0">
-                <a:latin typeface="Times New Roman" panose="02020603050405020304" pitchFamily="18" charset="0"/>
-                <a:cs typeface="Times New Roman" panose="02020603050405020304" pitchFamily="18" charset="0"/>
-              </a:rPr>
-              <a:t> </a:t>
-            </a:r>
-            <a:r>
-              <a:rPr lang="en-US" dirty="0" err="1" smtClean="0">
-                <a:latin typeface="Times New Roman" panose="02020603050405020304" pitchFamily="18" charset="0"/>
-                <a:cs typeface="Times New Roman" panose="02020603050405020304" pitchFamily="18" charset="0"/>
-              </a:rPr>
-              <a:t>truyện</a:t>
-            </a:r>
-            <a:r>
-              <a:rPr lang="en-US" dirty="0" smtClean="0">
-                <a:latin typeface="Times New Roman" panose="02020603050405020304" pitchFamily="18" charset="0"/>
-                <a:cs typeface="Times New Roman" panose="02020603050405020304" pitchFamily="18" charset="0"/>
-              </a:rPr>
-              <a:t> (</a:t>
-            </a:r>
-            <a:r>
-              <a:rPr lang="en-US" dirty="0" err="1" smtClean="0">
-                <a:latin typeface="Times New Roman" panose="02020603050405020304" pitchFamily="18" charset="0"/>
-                <a:cs typeface="Times New Roman" panose="02020603050405020304" pitchFamily="18" charset="0"/>
-              </a:rPr>
-              <a:t>thủ</a:t>
-            </a:r>
-            <a:r>
-              <a:rPr lang="en-US" dirty="0" smtClean="0">
-                <a:latin typeface="Times New Roman" panose="02020603050405020304" pitchFamily="18" charset="0"/>
-                <a:cs typeface="Times New Roman" panose="02020603050405020304" pitchFamily="18" charset="0"/>
-              </a:rPr>
-              <a:t> </a:t>
-            </a:r>
-            <a:r>
-              <a:rPr lang="en-US" dirty="0" err="1" smtClean="0">
-                <a:latin typeface="Times New Roman" panose="02020603050405020304" pitchFamily="18" charset="0"/>
-                <a:cs typeface="Times New Roman" panose="02020603050405020304" pitchFamily="18" charset="0"/>
-              </a:rPr>
-              <a:t>công</a:t>
-            </a:r>
-            <a:r>
-              <a:rPr lang="en-US" dirty="0" smtClean="0">
-                <a:latin typeface="Times New Roman" panose="02020603050405020304" pitchFamily="18" charset="0"/>
-                <a:cs typeface="Times New Roman" panose="02020603050405020304" pitchFamily="18" charset="0"/>
-              </a:rPr>
-              <a:t>)</a:t>
-            </a:r>
-            <a:endParaRPr lang="en-US" dirty="0">
-              <a:latin typeface="Times New Roman" panose="02020603050405020304" pitchFamily="18" charset="0"/>
-              <a:cs typeface="Times New Roman" panose="02020603050405020304" pitchFamily="18" charset="0"/>
-            </a:endParaRPr>
-          </a:p>
-        </p:txBody>
-      </p:sp>
-      <p:pic>
-        <p:nvPicPr>
-          <p:cNvPr id="10" name="Picture 9"/>
-          <p:cNvPicPr/>
-          <p:nvPr/>
-        </p:nvPicPr>
-        <p:blipFill>
-          <a:blip r:embed="rId2"/>
-          <a:stretch>
-            <a:fillRect/>
-          </a:stretch>
-        </p:blipFill>
-        <p:spPr>
-          <a:xfrm>
-            <a:off x="3060157" y="2133538"/>
-            <a:ext cx="5759450" cy="3237865"/>
-          </a:xfrm>
-          <a:prstGeom prst="rect">
-            <a:avLst/>
-          </a:prstGeom>
-        </p:spPr>
-      </p:pic>
-    </p:spTree>
-    <p:extLst>
-      <p:ext uri="{BB962C8B-B14F-4D97-AF65-F5344CB8AC3E}">
-        <p14:creationId xmlns:p14="http://schemas.microsoft.com/office/powerpoint/2010/main" val="76495791"/>
-      </p:ext>
-    </p:extLst>
-  </p:cSld>
-  <p:clrMapOvr>
-    <a:masterClrMapping/>
-  </p:clrMapOvr>
-  <p:timing>
-    <p:tnLst>
-      <p:par>
-        <p:cTn id="1" dur="indefinite" restart="never" nodeType="tmRoot"/>
-      </p:par>
-    </p:tnLst>
-  </p:timing>
-</p:sld>
-</file>
-
 <file path=ppt/slides/slide19.xml><?xml version="1.0" encoding="utf-8"?>
 <p:sld xmlns:a="http://schemas.openxmlformats.org/drawingml/2006/main" xmlns:r="http://schemas.openxmlformats.org/officeDocument/2006/relationships" xmlns:p="http://schemas.openxmlformats.org/presentationml/2006/main">
   <p:cSld>
@@ -10968,21 +10855,35 @@
                 <a:latin typeface="Times New Roman" panose="02020603050405020304" pitchFamily="18" charset="0"/>
                 <a:cs typeface="Times New Roman" panose="02020603050405020304" pitchFamily="18" charset="0"/>
               </a:rPr>
-              <a:t>Kết</a:t>
+              <a:t>Nội</a:t>
             </a:r>
             <a:r>
               <a:rPr lang="en-US" sz="3600" dirty="0" smtClean="0">
                 <a:latin typeface="Times New Roman" panose="02020603050405020304" pitchFamily="18" charset="0"/>
                 <a:cs typeface="Times New Roman" panose="02020603050405020304" pitchFamily="18" charset="0"/>
               </a:rPr>
-              <a:t> </a:t>
+              <a:t> dung </a:t>
             </a:r>
             <a:r>
               <a:rPr lang="en-US" sz="3600" dirty="0" err="1" smtClean="0">
                 <a:latin typeface="Times New Roman" panose="02020603050405020304" pitchFamily="18" charset="0"/>
                 <a:cs typeface="Times New Roman" panose="02020603050405020304" pitchFamily="18" charset="0"/>
               </a:rPr>
-              <a:t>luận</a:t>
+              <a:t>thực</a:t>
+            </a:r>
+            <a:r>
+              <a:rPr lang="en-US" sz="3600" dirty="0" smtClean="0">
+                <a:latin typeface="Times New Roman" panose="02020603050405020304" pitchFamily="18" charset="0"/>
+                <a:cs typeface="Times New Roman" panose="02020603050405020304" pitchFamily="18" charset="0"/>
+              </a:rPr>
+              <a:t> </a:t>
+            </a:r>
+            <a:r>
+              <a:rPr lang="en-US" sz="3600" dirty="0" err="1" smtClean="0">
+                <a:latin typeface="Times New Roman" panose="02020603050405020304" pitchFamily="18" charset="0"/>
+                <a:cs typeface="Times New Roman" panose="02020603050405020304" pitchFamily="18" charset="0"/>
+              </a:rPr>
+              <a:t>hiện</a:t>
             </a:r>
             <a:endParaRPr lang="en-US" sz="3600" dirty="0">
               <a:latin typeface="Times New Roman" panose="02020603050405020304" pitchFamily="18" charset="0"/>
@@ -10993,14 +10894,14 @@
       </p:sp>
       <p:sp>
         <p:nvSpPr>
-          <p:cNvPr id="2" name="TextBox 1"/>
+          <p:cNvPr id="4" name="TextBox 3"/>
           <p:cNvSpPr txBox="1"/>
           <p:nvPr/>
         </p:nvSpPr>
         <p:spPr>
           <a:xfrm>
-            <a:off x="2489982" y="1125415"/>
-            <a:ext cx="5908430" cy="1938992"/>
+            <a:off x="229235" y="1406765"/>
+            <a:ext cx="9667322" cy="1200329"/>
           </a:xfrm>
           <a:prstGeom prst="rect">
             <a:avLst/>
@@ -11013,128 +10914,47 @@
           </a:bodyPr>
           <a:lstStyle/>
           <a:p>
-            <a:pPr algn="ctr"/>
-            <a:r>
-              <a:rPr lang="en-US" sz="2400" dirty="0" err="1" smtClean="0">
-                <a:latin typeface="Times New Roman" panose="02020603050405020304" pitchFamily="18" charset="0"/>
-                <a:cs typeface="Times New Roman" panose="02020603050405020304" pitchFamily="18" charset="0"/>
-              </a:rPr>
-              <a:t>Kết</a:t>
-            </a:r>
-            <a:r>
-              <a:rPr lang="en-US" sz="2400" dirty="0" smtClean="0">
-                <a:latin typeface="Times New Roman" panose="02020603050405020304" pitchFamily="18" charset="0"/>
-                <a:cs typeface="Times New Roman" panose="02020603050405020304" pitchFamily="18" charset="0"/>
-              </a:rPr>
-              <a:t> </a:t>
-            </a:r>
-            <a:r>
-              <a:rPr lang="en-US" sz="2400" dirty="0" err="1" smtClean="0">
-                <a:latin typeface="Times New Roman" panose="02020603050405020304" pitchFamily="18" charset="0"/>
-                <a:cs typeface="Times New Roman" panose="02020603050405020304" pitchFamily="18" charset="0"/>
-              </a:rPr>
-              <a:t>quả</a:t>
-            </a:r>
-            <a:r>
-              <a:rPr lang="en-US" sz="2400" dirty="0" smtClean="0">
-                <a:latin typeface="Times New Roman" panose="02020603050405020304" pitchFamily="18" charset="0"/>
-                <a:cs typeface="Times New Roman" panose="02020603050405020304" pitchFamily="18" charset="0"/>
-              </a:rPr>
-              <a:t> </a:t>
-            </a:r>
-            <a:r>
-              <a:rPr lang="en-US" sz="2400" dirty="0" err="1" smtClean="0">
-                <a:latin typeface="Times New Roman" panose="02020603050405020304" pitchFamily="18" charset="0"/>
-                <a:cs typeface="Times New Roman" panose="02020603050405020304" pitchFamily="18" charset="0"/>
-              </a:rPr>
-              <a:t>đạt</a:t>
-            </a:r>
-            <a:r>
-              <a:rPr lang="en-US" sz="2400" dirty="0" smtClean="0">
-                <a:latin typeface="Times New Roman" panose="02020603050405020304" pitchFamily="18" charset="0"/>
-                <a:cs typeface="Times New Roman" panose="02020603050405020304" pitchFamily="18" charset="0"/>
-              </a:rPr>
-              <a:t> được</a:t>
-            </a:r>
-          </a:p>
-          <a:p>
-            <a:pPr algn="ctr"/>
-            <a:r>
-              <a:rPr lang="en-US" sz="2400" dirty="0" err="1" smtClean="0">
-                <a:latin typeface="Times New Roman" panose="02020603050405020304" pitchFamily="18" charset="0"/>
-                <a:cs typeface="Times New Roman" panose="02020603050405020304" pitchFamily="18" charset="0"/>
-              </a:rPr>
-              <a:t>Xây</a:t>
-            </a:r>
-            <a:r>
-              <a:rPr lang="en-US" sz="2400" dirty="0" smtClean="0">
-                <a:latin typeface="Times New Roman" panose="02020603050405020304" pitchFamily="18" charset="0"/>
-                <a:cs typeface="Times New Roman" panose="02020603050405020304" pitchFamily="18" charset="0"/>
-              </a:rPr>
-              <a:t> </a:t>
-            </a:r>
-            <a:r>
-              <a:rPr lang="en-US" sz="2400" dirty="0" err="1" smtClean="0">
-                <a:latin typeface="Times New Roman" panose="02020603050405020304" pitchFamily="18" charset="0"/>
-                <a:cs typeface="Times New Roman" panose="02020603050405020304" pitchFamily="18" charset="0"/>
-              </a:rPr>
-              <a:t>dựng</a:t>
-            </a:r>
-            <a:r>
-              <a:rPr lang="en-US" sz="2400" dirty="0" smtClean="0">
-                <a:latin typeface="Times New Roman" panose="02020603050405020304" pitchFamily="18" charset="0"/>
-                <a:cs typeface="Times New Roman" panose="02020603050405020304" pitchFamily="18" charset="0"/>
-              </a:rPr>
-              <a:t> được </a:t>
-            </a:r>
-            <a:r>
-              <a:rPr lang="en-US" sz="2400" dirty="0" err="1" smtClean="0">
-                <a:latin typeface="Times New Roman" panose="02020603050405020304" pitchFamily="18" charset="0"/>
-                <a:cs typeface="Times New Roman" panose="02020603050405020304" pitchFamily="18" charset="0"/>
-              </a:rPr>
-              <a:t>hệ</a:t>
-            </a:r>
-            <a:r>
-              <a:rPr lang="en-US" sz="2400" dirty="0" smtClean="0">
-                <a:latin typeface="Times New Roman" panose="02020603050405020304" pitchFamily="18" charset="0"/>
-                <a:cs typeface="Times New Roman" panose="02020603050405020304" pitchFamily="18" charset="0"/>
-              </a:rPr>
-              <a:t> </a:t>
-            </a:r>
-            <a:r>
-              <a:rPr lang="en-US" sz="2400" dirty="0" err="1" smtClean="0">
-                <a:latin typeface="Times New Roman" panose="02020603050405020304" pitchFamily="18" charset="0"/>
-                <a:cs typeface="Times New Roman" panose="02020603050405020304" pitchFamily="18" charset="0"/>
-              </a:rPr>
-              <a:t>thống</a:t>
-            </a:r>
-            <a:r>
-              <a:rPr lang="en-US" sz="2400" dirty="0" smtClean="0">
-                <a:latin typeface="Times New Roman" panose="02020603050405020304" pitchFamily="18" charset="0"/>
-                <a:cs typeface="Times New Roman" panose="02020603050405020304" pitchFamily="18" charset="0"/>
-              </a:rPr>
-              <a:t> </a:t>
-            </a:r>
-            <a:r>
-              <a:rPr lang="en-US" sz="2400" dirty="0" err="1" smtClean="0">
-                <a:latin typeface="Times New Roman" panose="02020603050405020304" pitchFamily="18" charset="0"/>
-                <a:cs typeface="Times New Roman" panose="02020603050405020304" pitchFamily="18" charset="0"/>
-              </a:rPr>
-              <a:t>quản</a:t>
-            </a:r>
-            <a:r>
-              <a:rPr lang="en-US" sz="2400" dirty="0" smtClean="0">
-                <a:latin typeface="Times New Roman" panose="02020603050405020304" pitchFamily="18" charset="0"/>
-                <a:cs typeface="Times New Roman" panose="02020603050405020304" pitchFamily="18" charset="0"/>
-              </a:rPr>
-              <a:t> </a:t>
-            </a:r>
-            <a:r>
-              <a:rPr lang="en-US" sz="2400" dirty="0" err="1" smtClean="0">
-                <a:latin typeface="Times New Roman" panose="02020603050405020304" pitchFamily="18" charset="0"/>
-                <a:cs typeface="Times New Roman" panose="02020603050405020304" pitchFamily="18" charset="0"/>
-              </a:rPr>
-              <a:t>lý</a:t>
+            <a:r>
+              <a:rPr lang="en-US" sz="2400" dirty="0" smtClean="0">
+                <a:latin typeface="Times New Roman" panose="02020603050405020304" pitchFamily="18" charset="0"/>
+                <a:cs typeface="Times New Roman" panose="02020603050405020304" pitchFamily="18" charset="0"/>
+              </a:rPr>
+              <a:t>              </a:t>
+            </a:r>
+            <a:r>
+              <a:rPr lang="en-US" sz="2400" dirty="0" err="1" smtClean="0">
+                <a:latin typeface="Times New Roman" panose="02020603050405020304" pitchFamily="18" charset="0"/>
+                <a:cs typeface="Times New Roman" panose="02020603050405020304" pitchFamily="18" charset="0"/>
+              </a:rPr>
+              <a:t>Giao</a:t>
+            </a:r>
+            <a:r>
+              <a:rPr lang="en-US" sz="2400" dirty="0" smtClean="0">
+                <a:latin typeface="Times New Roman" panose="02020603050405020304" pitchFamily="18" charset="0"/>
+                <a:cs typeface="Times New Roman" panose="02020603050405020304" pitchFamily="18" charset="0"/>
+              </a:rPr>
+              <a:t> </a:t>
+            </a:r>
+            <a:r>
+              <a:rPr lang="en-US" sz="2400" dirty="0" err="1" smtClean="0">
+                <a:latin typeface="Times New Roman" panose="02020603050405020304" pitchFamily="18" charset="0"/>
+                <a:cs typeface="Times New Roman" panose="02020603050405020304" pitchFamily="18" charset="0"/>
+              </a:rPr>
+              <a:t>diện</a:t>
+            </a:r>
+            <a:r>
+              <a:rPr lang="en-US" sz="2400" dirty="0" smtClean="0">
+                <a:latin typeface="Times New Roman" panose="02020603050405020304" pitchFamily="18" charset="0"/>
+                <a:cs typeface="Times New Roman" panose="02020603050405020304" pitchFamily="18" charset="0"/>
+              </a:rPr>
+              <a:t>: </a:t>
+            </a:r>
+            <a:r>
+              <a:rPr lang="en-US" sz="2400" dirty="0" err="1" smtClean="0">
+                <a:latin typeface="Times New Roman" panose="02020603050405020304" pitchFamily="18" charset="0"/>
+                <a:cs typeface="Times New Roman" panose="02020603050405020304" pitchFamily="18" charset="0"/>
+              </a:rPr>
+              <a:t>Nhập</a:t>
             </a:r>
             <a:r>
               <a:rPr lang="en-US" sz="2400" dirty="0" smtClean="0">
@@ -11149,237 +10969,6 @@
                 <a:cs typeface="Times New Roman" panose="02020603050405020304" pitchFamily="18" charset="0"/>
               </a:rPr>
               <a:t>truyện</a:t>
-            </a:r>
-            <a:r>
-              <a:rPr lang="en-US" sz="2400" dirty="0" smtClean="0">
-                <a:latin typeface="Times New Roman" panose="02020603050405020304" pitchFamily="18" charset="0"/>
-                <a:cs typeface="Times New Roman" panose="02020603050405020304" pitchFamily="18" charset="0"/>
-              </a:rPr>
-              <a:t> </a:t>
-            </a:r>
-            <a:r>
-              <a:rPr lang="en-US" sz="2400" dirty="0" err="1" smtClean="0">
-                <a:latin typeface="Times New Roman" panose="02020603050405020304" pitchFamily="18" charset="0"/>
-                <a:cs typeface="Times New Roman" panose="02020603050405020304" pitchFamily="18" charset="0"/>
-              </a:rPr>
-              <a:t>tranh</a:t>
-            </a:r>
-            <a:r>
-              <a:rPr lang="en-US" sz="2400" dirty="0" smtClean="0">
-                <a:latin typeface="Times New Roman" panose="02020603050405020304" pitchFamily="18" charset="0"/>
-                <a:cs typeface="Times New Roman" panose="02020603050405020304" pitchFamily="18" charset="0"/>
-              </a:rPr>
-              <a:t> </a:t>
-            </a:r>
-            <a:r>
-              <a:rPr lang="en-US" sz="2400" dirty="0" err="1" smtClean="0">
-                <a:latin typeface="Times New Roman" panose="02020603050405020304" pitchFamily="18" charset="0"/>
-                <a:cs typeface="Times New Roman" panose="02020603050405020304" pitchFamily="18" charset="0"/>
-              </a:rPr>
-              <a:t>và</a:t>
-            </a:r>
-            <a:r>
-              <a:rPr lang="en-US" sz="2400" dirty="0" smtClean="0">
-                <a:latin typeface="Times New Roman" panose="02020603050405020304" pitchFamily="18" charset="0"/>
-                <a:cs typeface="Times New Roman" panose="02020603050405020304" pitchFamily="18" charset="0"/>
-              </a:rPr>
-              <a:t> </a:t>
-            </a:r>
-            <a:r>
-              <a:rPr lang="en-US" sz="2400" dirty="0" err="1" smtClean="0">
-                <a:latin typeface="Times New Roman" panose="02020603050405020304" pitchFamily="18" charset="0"/>
-                <a:cs typeface="Times New Roman" panose="02020603050405020304" pitchFamily="18" charset="0"/>
-              </a:rPr>
-              <a:t>hỗ</a:t>
-            </a:r>
-            <a:r>
-              <a:rPr lang="en-US" sz="2400" dirty="0" smtClean="0">
-                <a:latin typeface="Times New Roman" panose="02020603050405020304" pitchFamily="18" charset="0"/>
-                <a:cs typeface="Times New Roman" panose="02020603050405020304" pitchFamily="18" charset="0"/>
-              </a:rPr>
-              <a:t> </a:t>
-            </a:r>
-            <a:r>
-              <a:rPr lang="en-US" sz="2400" dirty="0" err="1" smtClean="0">
-                <a:latin typeface="Times New Roman" panose="02020603050405020304" pitchFamily="18" charset="0"/>
-                <a:cs typeface="Times New Roman" panose="02020603050405020304" pitchFamily="18" charset="0"/>
-              </a:rPr>
-              <a:t>trợ</a:t>
-            </a:r>
-            <a:r>
-              <a:rPr lang="en-US" sz="2400" dirty="0" smtClean="0">
-                <a:latin typeface="Times New Roman" panose="02020603050405020304" pitchFamily="18" charset="0"/>
-                <a:cs typeface="Times New Roman" panose="02020603050405020304" pitchFamily="18" charset="0"/>
-              </a:rPr>
-              <a:t> </a:t>
-            </a:r>
-            <a:r>
-              <a:rPr lang="en-US" sz="2400" dirty="0" err="1" smtClean="0">
-                <a:latin typeface="Times New Roman" panose="02020603050405020304" pitchFamily="18" charset="0"/>
-                <a:cs typeface="Times New Roman" panose="02020603050405020304" pitchFamily="18" charset="0"/>
-              </a:rPr>
-              <a:t>tô</a:t>
-            </a:r>
-            <a:r>
-              <a:rPr lang="en-US" sz="2400" dirty="0" smtClean="0">
-                <a:latin typeface="Times New Roman" panose="02020603050405020304" pitchFamily="18" charset="0"/>
-                <a:cs typeface="Times New Roman" panose="02020603050405020304" pitchFamily="18" charset="0"/>
-              </a:rPr>
-              <a:t> </a:t>
-            </a:r>
-            <a:r>
-              <a:rPr lang="en-US" sz="2400" dirty="0" err="1" smtClean="0">
-                <a:latin typeface="Times New Roman" panose="02020603050405020304" pitchFamily="18" charset="0"/>
-                <a:cs typeface="Times New Roman" panose="02020603050405020304" pitchFamily="18" charset="0"/>
-              </a:rPr>
-              <a:t>màu</a:t>
-            </a:r>
-            <a:r>
-              <a:rPr lang="en-US" sz="2400" dirty="0" smtClean="0">
-                <a:latin typeface="Times New Roman" panose="02020603050405020304" pitchFamily="18" charset="0"/>
-                <a:cs typeface="Times New Roman" panose="02020603050405020304" pitchFamily="18" charset="0"/>
-              </a:rPr>
-              <a:t> </a:t>
-            </a:r>
-            <a:r>
-              <a:rPr lang="en-US" sz="2400" dirty="0" err="1" smtClean="0">
-                <a:latin typeface="Times New Roman" panose="02020603050405020304" pitchFamily="18" charset="0"/>
-                <a:cs typeface="Times New Roman" panose="02020603050405020304" pitchFamily="18" charset="0"/>
-              </a:rPr>
-              <a:t>cho</a:t>
-            </a:r>
-            <a:r>
-              <a:rPr lang="en-US" sz="2400" dirty="0" smtClean="0">
-                <a:latin typeface="Times New Roman" panose="02020603050405020304" pitchFamily="18" charset="0"/>
-                <a:cs typeface="Times New Roman" panose="02020603050405020304" pitchFamily="18" charset="0"/>
-              </a:rPr>
-              <a:t> </a:t>
-            </a:r>
-            <a:r>
-              <a:rPr lang="en-US" sz="2400" dirty="0" err="1" smtClean="0">
-                <a:latin typeface="Times New Roman" panose="02020603050405020304" pitchFamily="18" charset="0"/>
-                <a:cs typeface="Times New Roman" panose="02020603050405020304" pitchFamily="18" charset="0"/>
-              </a:rPr>
-              <a:t>truyện</a:t>
-            </a:r>
-            <a:r>
-              <a:rPr lang="en-US" sz="2400" dirty="0" smtClean="0">
-                <a:latin typeface="Times New Roman" panose="02020603050405020304" pitchFamily="18" charset="0"/>
-                <a:cs typeface="Times New Roman" panose="02020603050405020304" pitchFamily="18" charset="0"/>
-              </a:rPr>
-              <a:t> </a:t>
-            </a:r>
-            <a:r>
-              <a:rPr lang="en-US" sz="2400" dirty="0" err="1" smtClean="0">
-                <a:latin typeface="Times New Roman" panose="02020603050405020304" pitchFamily="18" charset="0"/>
-                <a:cs typeface="Times New Roman" panose="02020603050405020304" pitchFamily="18" charset="0"/>
-              </a:rPr>
-              <a:t>tranh</a:t>
-            </a:r>
-            <a:r>
-              <a:rPr lang="en-US" sz="2400" dirty="0" smtClean="0">
-                <a:latin typeface="Times New Roman" panose="02020603050405020304" pitchFamily="18" charset="0"/>
-                <a:cs typeface="Times New Roman" panose="02020603050405020304" pitchFamily="18" charset="0"/>
-              </a:rPr>
-              <a:t> </a:t>
-            </a:r>
-            <a:r>
-              <a:rPr lang="en-US" sz="2400" dirty="0" err="1" smtClean="0">
-                <a:latin typeface="Times New Roman" panose="02020603050405020304" pitchFamily="18" charset="0"/>
-                <a:cs typeface="Times New Roman" panose="02020603050405020304" pitchFamily="18" charset="0"/>
-              </a:rPr>
-              <a:t>đen</a:t>
-            </a:r>
-            <a:r>
-              <a:rPr lang="en-US" sz="2400" dirty="0" smtClean="0">
-                <a:latin typeface="Times New Roman" panose="02020603050405020304" pitchFamily="18" charset="0"/>
-                <a:cs typeface="Times New Roman" panose="02020603050405020304" pitchFamily="18" charset="0"/>
-              </a:rPr>
-              <a:t> </a:t>
-            </a:r>
-            <a:r>
-              <a:rPr lang="en-US" sz="2400" dirty="0" err="1" smtClean="0">
-                <a:latin typeface="Times New Roman" panose="02020603050405020304" pitchFamily="18" charset="0"/>
-                <a:cs typeface="Times New Roman" panose="02020603050405020304" pitchFamily="18" charset="0"/>
-              </a:rPr>
-              <a:t>trắng</a:t>
-            </a:r>
-            <a:r>
-              <a:rPr lang="en-US" sz="2400" dirty="0" smtClean="0">
-                <a:latin typeface="Times New Roman" panose="02020603050405020304" pitchFamily="18" charset="0"/>
-                <a:cs typeface="Times New Roman" panose="02020603050405020304" pitchFamily="18" charset="0"/>
-              </a:rPr>
-              <a:t> </a:t>
-            </a:r>
-            <a:r>
-              <a:rPr lang="en-US" sz="2400" dirty="0" err="1" smtClean="0">
-                <a:latin typeface="Times New Roman" panose="02020603050405020304" pitchFamily="18" charset="0"/>
-                <a:cs typeface="Times New Roman" panose="02020603050405020304" pitchFamily="18" charset="0"/>
-              </a:rPr>
-              <a:t>với</a:t>
-            </a:r>
-            <a:r>
-              <a:rPr lang="en-US" sz="2400" dirty="0" smtClean="0">
-                <a:latin typeface="Times New Roman" panose="02020603050405020304" pitchFamily="18" charset="0"/>
-                <a:cs typeface="Times New Roman" panose="02020603050405020304" pitchFamily="18" charset="0"/>
-              </a:rPr>
-              <a:t> các </a:t>
-            </a:r>
-            <a:r>
-              <a:rPr lang="en-US" sz="2400" dirty="0" err="1" smtClean="0">
-                <a:latin typeface="Times New Roman" panose="02020603050405020304" pitchFamily="18" charset="0"/>
-                <a:cs typeface="Times New Roman" panose="02020603050405020304" pitchFamily="18" charset="0"/>
-              </a:rPr>
-              <a:t>chức</a:t>
-            </a:r>
-            <a:r>
-              <a:rPr lang="en-US" sz="2400" dirty="0" smtClean="0">
-                <a:latin typeface="Times New Roman" panose="02020603050405020304" pitchFamily="18" charset="0"/>
-                <a:cs typeface="Times New Roman" panose="02020603050405020304" pitchFamily="18" charset="0"/>
-              </a:rPr>
-              <a:t> </a:t>
-            </a:r>
-            <a:r>
-              <a:rPr lang="en-US" sz="2400" dirty="0" err="1" smtClean="0">
-                <a:latin typeface="Times New Roman" panose="02020603050405020304" pitchFamily="18" charset="0"/>
-                <a:cs typeface="Times New Roman" panose="02020603050405020304" pitchFamily="18" charset="0"/>
-              </a:rPr>
-              <a:t>năng</a:t>
-            </a:r>
-            <a:r>
-              <a:rPr lang="en-US" sz="2400" dirty="0" smtClean="0">
-                <a:latin typeface="Times New Roman" panose="02020603050405020304" pitchFamily="18" charset="0"/>
-                <a:cs typeface="Times New Roman" panose="02020603050405020304" pitchFamily="18" charset="0"/>
-              </a:rPr>
-              <a:t> </a:t>
-            </a:r>
-            <a:r>
-              <a:rPr lang="en-US" sz="2400" dirty="0" err="1" smtClean="0">
-                <a:latin typeface="Times New Roman" panose="02020603050405020304" pitchFamily="18" charset="0"/>
-                <a:cs typeface="Times New Roman" panose="02020603050405020304" pitchFamily="18" charset="0"/>
-              </a:rPr>
-              <a:t>cơ</a:t>
-            </a:r>
-            <a:r>
-              <a:rPr lang="en-US" sz="2400" dirty="0" smtClean="0">
-                <a:latin typeface="Times New Roman" panose="02020603050405020304" pitchFamily="18" charset="0"/>
-                <a:cs typeface="Times New Roman" panose="02020603050405020304" pitchFamily="18" charset="0"/>
-              </a:rPr>
-              <a:t> </a:t>
-            </a:r>
-            <a:r>
-              <a:rPr lang="en-US" sz="2400" dirty="0" err="1" smtClean="0">
-                <a:latin typeface="Times New Roman" panose="02020603050405020304" pitchFamily="18" charset="0"/>
-                <a:cs typeface="Times New Roman" panose="02020603050405020304" pitchFamily="18" charset="0"/>
-              </a:rPr>
-              <a:t>bản</a:t>
-            </a:r>
-            <a:r>
-              <a:rPr lang="en-US" sz="2400" dirty="0">
-                <a:latin typeface="Times New Roman" panose="02020603050405020304" pitchFamily="18" charset="0"/>
-                <a:cs typeface="Times New Roman" panose="02020603050405020304" pitchFamily="18" charset="0"/>
-              </a:rPr>
-              <a:t>.</a:t>
             </a:r>
             <a:endParaRPr lang="en-US" sz="2400" dirty="0" smtClean="0">
               <a:latin typeface="Times New Roman" panose="02020603050405020304" pitchFamily="18" charset="0"/>
@@ -11387,8 +10976,17 @@
             </a:endParaRPr>
           </a:p>
           <a:p>
-            <a:pPr algn="ctr"/>
-            <a:endParaRPr lang="en-US" sz="2400" dirty="0">
+            <a:pPr marL="342900" indent="-342900">
+              <a:buFont typeface="Wingdings" panose="05000000000000000000" pitchFamily="2" charset="2"/>
+              <a:buChar char="v"/>
+            </a:pPr>
+            <a:endParaRPr lang="en-US" sz="2400" dirty="0" smtClean="0">
+              <a:latin typeface="Times New Roman" panose="02020603050405020304" pitchFamily="18" charset="0"/>
+              <a:cs typeface="Times New Roman" panose="02020603050405020304" pitchFamily="18" charset="0"/>
+            </a:endParaRPr>
+          </a:p>
+          <a:p>
+            <a:endParaRPr lang="en-US" sz="2400" dirty="0" smtClean="0">
               <a:latin typeface="Times New Roman" panose="02020603050405020304" pitchFamily="18" charset="0"/>
               <a:cs typeface="Times New Roman" panose="02020603050405020304" pitchFamily="18" charset="0"/>
             </a:endParaRPr>
@@ -11397,14 +10995,14 @@
       </p:sp>
       <p:sp>
         <p:nvSpPr>
-          <p:cNvPr id="5" name="TextBox 4"/>
+          <p:cNvPr id="9" name="TextBox 8"/>
           <p:cNvSpPr txBox="1"/>
           <p:nvPr/>
         </p:nvSpPr>
         <p:spPr>
           <a:xfrm>
-            <a:off x="281354" y="3657600"/>
-            <a:ext cx="5106572" cy="3046988"/>
+            <a:off x="3488126" y="5728844"/>
+            <a:ext cx="5208477" cy="369332"/>
           </a:xfrm>
           <a:prstGeom prst="rect">
             <a:avLst/>
@@ -11412,381 +11010,170 @@
           <a:noFill/>
         </p:spPr>
         <p:txBody>
-          <a:bodyPr wrap="square" rtlCol="0">
+          <a:bodyPr wrap="none" rtlCol="0">
             <a:spAutoFit/>
           </a:bodyPr>
           <a:lstStyle/>
           <a:p>
-            <a:pPr algn="ctr"/>
-            <a:r>
-              <a:rPr lang="en-US" sz="2400" dirty="0" err="1" smtClean="0">
-                <a:latin typeface="Times New Roman" panose="02020603050405020304" pitchFamily="18" charset="0"/>
-                <a:cs typeface="Times New Roman" panose="02020603050405020304" pitchFamily="18" charset="0"/>
-              </a:rPr>
-              <a:t>Hạn</a:t>
-            </a:r>
-            <a:r>
-              <a:rPr lang="en-US" sz="2400" dirty="0" smtClean="0">
-                <a:latin typeface="Times New Roman" panose="02020603050405020304" pitchFamily="18" charset="0"/>
-                <a:cs typeface="Times New Roman" panose="02020603050405020304" pitchFamily="18" charset="0"/>
-              </a:rPr>
-              <a:t> </a:t>
-            </a:r>
-            <a:r>
-              <a:rPr lang="en-US" sz="2400" dirty="0" err="1" smtClean="0">
-                <a:latin typeface="Times New Roman" panose="02020603050405020304" pitchFamily="18" charset="0"/>
-                <a:cs typeface="Times New Roman" panose="02020603050405020304" pitchFamily="18" charset="0"/>
-              </a:rPr>
-              <a:t>chế</a:t>
-            </a:r>
-            <a:endParaRPr lang="en-US" sz="2400" dirty="0" smtClean="0">
+            <a:r>
+              <a:rPr lang="en-US" dirty="0" err="1" smtClean="0">
+                <a:latin typeface="Times New Roman" panose="02020603050405020304" pitchFamily="18" charset="0"/>
+                <a:cs typeface="Times New Roman" panose="02020603050405020304" pitchFamily="18" charset="0"/>
+              </a:rPr>
+              <a:t>Danh</a:t>
+            </a:r>
+            <a:r>
+              <a:rPr lang="en-US" dirty="0" smtClean="0">
+                <a:latin typeface="Times New Roman" panose="02020603050405020304" pitchFamily="18" charset="0"/>
+                <a:cs typeface="Times New Roman" panose="02020603050405020304" pitchFamily="18" charset="0"/>
+              </a:rPr>
+              <a:t> </a:t>
+            </a:r>
+            <a:r>
+              <a:rPr lang="en-US" dirty="0" err="1" smtClean="0">
+                <a:latin typeface="Times New Roman" panose="02020603050405020304" pitchFamily="18" charset="0"/>
+                <a:cs typeface="Times New Roman" panose="02020603050405020304" pitchFamily="18" charset="0"/>
+              </a:rPr>
+              <a:t>sách</a:t>
+            </a:r>
+            <a:r>
+              <a:rPr lang="en-US" dirty="0" smtClean="0">
+                <a:latin typeface="Times New Roman" panose="02020603050405020304" pitchFamily="18" charset="0"/>
+                <a:cs typeface="Times New Roman" panose="02020603050405020304" pitchFamily="18" charset="0"/>
+              </a:rPr>
+              <a:t> </a:t>
+            </a:r>
+            <a:r>
+              <a:rPr lang="en-US" dirty="0" err="1" smtClean="0">
+                <a:latin typeface="Times New Roman" panose="02020603050405020304" pitchFamily="18" charset="0"/>
+                <a:cs typeface="Times New Roman" panose="02020603050405020304" pitchFamily="18" charset="0"/>
+              </a:rPr>
+              <a:t>truyện</a:t>
+            </a:r>
+            <a:r>
+              <a:rPr lang="en-US" dirty="0" smtClean="0">
+                <a:latin typeface="Times New Roman" panose="02020603050405020304" pitchFamily="18" charset="0"/>
+                <a:cs typeface="Times New Roman" panose="02020603050405020304" pitchFamily="18" charset="0"/>
+              </a:rPr>
+              <a:t> </a:t>
+            </a:r>
+            <a:r>
+              <a:rPr lang="en-US" dirty="0" err="1" smtClean="0">
+                <a:latin typeface="Times New Roman" panose="02020603050405020304" pitchFamily="18" charset="0"/>
+                <a:cs typeface="Times New Roman" panose="02020603050405020304" pitchFamily="18" charset="0"/>
+              </a:rPr>
+              <a:t>sau</a:t>
+            </a:r>
+            <a:r>
+              <a:rPr lang="en-US" dirty="0" smtClean="0">
+                <a:latin typeface="Times New Roman" panose="02020603050405020304" pitchFamily="18" charset="0"/>
+                <a:cs typeface="Times New Roman" panose="02020603050405020304" pitchFamily="18" charset="0"/>
+              </a:rPr>
+              <a:t> </a:t>
+            </a:r>
+            <a:r>
+              <a:rPr lang="en-US" dirty="0" err="1" smtClean="0">
+                <a:latin typeface="Times New Roman" panose="02020603050405020304" pitchFamily="18" charset="0"/>
+                <a:cs typeface="Times New Roman" panose="02020603050405020304" pitchFamily="18" charset="0"/>
+              </a:rPr>
+              <a:t>khi</a:t>
+            </a:r>
+            <a:r>
+              <a:rPr lang="en-US" dirty="0" smtClean="0">
+                <a:latin typeface="Times New Roman" panose="02020603050405020304" pitchFamily="18" charset="0"/>
+                <a:cs typeface="Times New Roman" panose="02020603050405020304" pitchFamily="18" charset="0"/>
+              </a:rPr>
+              <a:t> được </a:t>
+            </a:r>
+            <a:r>
+              <a:rPr lang="en-US" dirty="0" err="1" smtClean="0">
+                <a:latin typeface="Times New Roman" panose="02020603050405020304" pitchFamily="18" charset="0"/>
+                <a:cs typeface="Times New Roman" panose="02020603050405020304" pitchFamily="18" charset="0"/>
+              </a:rPr>
+              <a:t>nhập</a:t>
+            </a:r>
+            <a:r>
+              <a:rPr lang="en-US" dirty="0" smtClean="0">
+                <a:latin typeface="Times New Roman" panose="02020603050405020304" pitchFamily="18" charset="0"/>
+                <a:cs typeface="Times New Roman" panose="02020603050405020304" pitchFamily="18" charset="0"/>
+              </a:rPr>
+              <a:t> </a:t>
+            </a:r>
+            <a:r>
+              <a:rPr lang="en-US" dirty="0" err="1" smtClean="0">
+                <a:latin typeface="Times New Roman" panose="02020603050405020304" pitchFamily="18" charset="0"/>
+                <a:cs typeface="Times New Roman" panose="02020603050405020304" pitchFamily="18" charset="0"/>
+              </a:rPr>
+              <a:t>truyện</a:t>
+            </a:r>
+            <a:r>
+              <a:rPr lang="en-US" dirty="0" smtClean="0">
+                <a:latin typeface="Times New Roman" panose="02020603050405020304" pitchFamily="18" charset="0"/>
+                <a:cs typeface="Times New Roman" panose="02020603050405020304" pitchFamily="18" charset="0"/>
+              </a:rPr>
+              <a:t> (</a:t>
+            </a:r>
+            <a:r>
+              <a:rPr lang="en-US" dirty="0" err="1" smtClean="0">
+                <a:latin typeface="Times New Roman" panose="02020603050405020304" pitchFamily="18" charset="0"/>
+                <a:cs typeface="Times New Roman" panose="02020603050405020304" pitchFamily="18" charset="0"/>
+              </a:rPr>
+              <a:t>thủ</a:t>
+            </a:r>
+            <a:r>
+              <a:rPr lang="en-US" dirty="0" smtClean="0">
+                <a:latin typeface="Times New Roman" panose="02020603050405020304" pitchFamily="18" charset="0"/>
+                <a:cs typeface="Times New Roman" panose="02020603050405020304" pitchFamily="18" charset="0"/>
+              </a:rPr>
+              <a:t> </a:t>
+            </a:r>
+            <a:r>
+              <a:rPr lang="en-US" dirty="0" err="1" smtClean="0">
+                <a:latin typeface="Times New Roman" panose="02020603050405020304" pitchFamily="18" charset="0"/>
+                <a:cs typeface="Times New Roman" panose="02020603050405020304" pitchFamily="18" charset="0"/>
+              </a:rPr>
+              <a:t>công</a:t>
+            </a:r>
+            <a:r>
+              <a:rPr lang="en-US" dirty="0" smtClean="0">
+                <a:latin typeface="Times New Roman" panose="02020603050405020304" pitchFamily="18" charset="0"/>
+                <a:cs typeface="Times New Roman" panose="02020603050405020304" pitchFamily="18" charset="0"/>
+              </a:rPr>
+              <a:t>)</a:t>
+            </a:r>
+            <a:endParaRPr lang="en-US" dirty="0">
               <a:latin typeface="Times New Roman" panose="02020603050405020304" pitchFamily="18" charset="0"/>
               <a:cs typeface="Times New Roman" panose="02020603050405020304" pitchFamily="18" charset="0"/>
             </a:endParaRPr>
           </a:p>
-          <a:p>
-            <a:pPr marL="342900" indent="-342900">
-              <a:buFont typeface="Wingdings" panose="05000000000000000000" pitchFamily="2" charset="2"/>
-              <a:buChar char="v"/>
-            </a:pPr>
-            <a:r>
-              <a:rPr lang="en-US" sz="2400" dirty="0" smtClean="0">
-                <a:latin typeface="Times New Roman" panose="02020603050405020304" pitchFamily="18" charset="0"/>
-                <a:cs typeface="Times New Roman" panose="02020603050405020304" pitchFamily="18" charset="0"/>
-              </a:rPr>
-              <a:t>Các </a:t>
-            </a:r>
-            <a:r>
-              <a:rPr lang="en-US" sz="2400" dirty="0" err="1" smtClean="0">
-                <a:latin typeface="Times New Roman" panose="02020603050405020304" pitchFamily="18" charset="0"/>
-                <a:cs typeface="Times New Roman" panose="02020603050405020304" pitchFamily="18" charset="0"/>
-              </a:rPr>
-              <a:t>chức</a:t>
-            </a:r>
-            <a:r>
-              <a:rPr lang="en-US" sz="2400" dirty="0" smtClean="0">
-                <a:latin typeface="Times New Roman" panose="02020603050405020304" pitchFamily="18" charset="0"/>
-                <a:cs typeface="Times New Roman" panose="02020603050405020304" pitchFamily="18" charset="0"/>
-              </a:rPr>
-              <a:t> </a:t>
-            </a:r>
-            <a:r>
-              <a:rPr lang="en-US" sz="2400" dirty="0" err="1" smtClean="0">
-                <a:latin typeface="Times New Roman" panose="02020603050405020304" pitchFamily="18" charset="0"/>
-                <a:cs typeface="Times New Roman" panose="02020603050405020304" pitchFamily="18" charset="0"/>
-              </a:rPr>
-              <a:t>năng</a:t>
-            </a:r>
-            <a:r>
-              <a:rPr lang="en-US" sz="2400" dirty="0" smtClean="0">
-                <a:latin typeface="Times New Roman" panose="02020603050405020304" pitchFamily="18" charset="0"/>
-                <a:cs typeface="Times New Roman" panose="02020603050405020304" pitchFamily="18" charset="0"/>
-              </a:rPr>
-              <a:t> chưa </a:t>
-            </a:r>
-            <a:r>
-              <a:rPr lang="en-US" sz="2400" dirty="0" err="1" smtClean="0">
-                <a:latin typeface="Times New Roman" panose="02020603050405020304" pitchFamily="18" charset="0"/>
-                <a:cs typeface="Times New Roman" panose="02020603050405020304" pitchFamily="18" charset="0"/>
-              </a:rPr>
-              <a:t>thực</a:t>
-            </a:r>
-            <a:r>
-              <a:rPr lang="en-US" sz="2400" dirty="0" smtClean="0">
-                <a:latin typeface="Times New Roman" panose="02020603050405020304" pitchFamily="18" charset="0"/>
-                <a:cs typeface="Times New Roman" panose="02020603050405020304" pitchFamily="18" charset="0"/>
-              </a:rPr>
-              <a:t> </a:t>
-            </a:r>
-            <a:r>
-              <a:rPr lang="en-US" sz="2400" dirty="0" err="1" smtClean="0">
-                <a:latin typeface="Times New Roman" panose="02020603050405020304" pitchFamily="18" charset="0"/>
-                <a:cs typeface="Times New Roman" panose="02020603050405020304" pitchFamily="18" charset="0"/>
-              </a:rPr>
-              <a:t>sự</a:t>
-            </a:r>
-            <a:r>
-              <a:rPr lang="en-US" sz="2400" dirty="0" smtClean="0">
-                <a:latin typeface="Times New Roman" panose="02020603050405020304" pitchFamily="18" charset="0"/>
-                <a:cs typeface="Times New Roman" panose="02020603050405020304" pitchFamily="18" charset="0"/>
-              </a:rPr>
-              <a:t> </a:t>
-            </a:r>
-            <a:r>
-              <a:rPr lang="en-US" sz="2400" dirty="0" err="1" smtClean="0">
-                <a:latin typeface="Times New Roman" panose="02020603050405020304" pitchFamily="18" charset="0"/>
-                <a:cs typeface="Times New Roman" panose="02020603050405020304" pitchFamily="18" charset="0"/>
-              </a:rPr>
-              <a:t>hoàn</a:t>
-            </a:r>
-            <a:r>
-              <a:rPr lang="en-US" sz="2400" dirty="0" smtClean="0">
-                <a:latin typeface="Times New Roman" panose="02020603050405020304" pitchFamily="18" charset="0"/>
-                <a:cs typeface="Times New Roman" panose="02020603050405020304" pitchFamily="18" charset="0"/>
-              </a:rPr>
-              <a:t> </a:t>
-            </a:r>
-            <a:r>
-              <a:rPr lang="en-US" sz="2400" dirty="0" err="1" smtClean="0">
-                <a:latin typeface="Times New Roman" panose="02020603050405020304" pitchFamily="18" charset="0"/>
-                <a:cs typeface="Times New Roman" panose="02020603050405020304" pitchFamily="18" charset="0"/>
-              </a:rPr>
-              <a:t>chỉnh</a:t>
-            </a:r>
-            <a:r>
-              <a:rPr lang="en-US" sz="2400" dirty="0" smtClean="0">
-                <a:latin typeface="Times New Roman" panose="02020603050405020304" pitchFamily="18" charset="0"/>
-                <a:cs typeface="Times New Roman" panose="02020603050405020304" pitchFamily="18" charset="0"/>
-              </a:rPr>
-              <a:t>.</a:t>
-            </a:r>
-          </a:p>
-          <a:p>
-            <a:pPr marL="342900" indent="-342900">
-              <a:buFont typeface="Wingdings" panose="05000000000000000000" pitchFamily="2" charset="2"/>
-              <a:buChar char="v"/>
-            </a:pPr>
-            <a:r>
-              <a:rPr lang="en-US" sz="2400" dirty="0" err="1" smtClean="0">
-                <a:latin typeface="Times New Roman" panose="02020603050405020304" pitchFamily="18" charset="0"/>
-                <a:cs typeface="Times New Roman" panose="02020603050405020304" pitchFamily="18" charset="0"/>
-              </a:rPr>
-              <a:t>Giao</a:t>
-            </a:r>
-            <a:r>
-              <a:rPr lang="en-US" sz="2400" dirty="0" smtClean="0">
-                <a:latin typeface="Times New Roman" panose="02020603050405020304" pitchFamily="18" charset="0"/>
-                <a:cs typeface="Times New Roman" panose="02020603050405020304" pitchFamily="18" charset="0"/>
-              </a:rPr>
-              <a:t> </a:t>
-            </a:r>
-            <a:r>
-              <a:rPr lang="en-US" sz="2400" dirty="0" err="1" smtClean="0">
-                <a:latin typeface="Times New Roman" panose="02020603050405020304" pitchFamily="18" charset="0"/>
-                <a:cs typeface="Times New Roman" panose="02020603050405020304" pitchFamily="18" charset="0"/>
-              </a:rPr>
-              <a:t>diện</a:t>
-            </a:r>
-            <a:r>
-              <a:rPr lang="en-US" sz="2400" dirty="0" smtClean="0">
-                <a:latin typeface="Times New Roman" panose="02020603050405020304" pitchFamily="18" charset="0"/>
-                <a:cs typeface="Times New Roman" panose="02020603050405020304" pitchFamily="18" charset="0"/>
-              </a:rPr>
-              <a:t> </a:t>
-            </a:r>
-            <a:r>
-              <a:rPr lang="en-US" sz="2400" dirty="0" err="1" smtClean="0">
-                <a:latin typeface="Times New Roman" panose="02020603050405020304" pitchFamily="18" charset="0"/>
-                <a:cs typeface="Times New Roman" panose="02020603050405020304" pitchFamily="18" charset="0"/>
-              </a:rPr>
-              <a:t>còn</a:t>
-            </a:r>
-            <a:r>
-              <a:rPr lang="en-US" sz="2400" dirty="0" smtClean="0">
-                <a:latin typeface="Times New Roman" panose="02020603050405020304" pitchFamily="18" charset="0"/>
-                <a:cs typeface="Times New Roman" panose="02020603050405020304" pitchFamily="18" charset="0"/>
-              </a:rPr>
-              <a:t> </a:t>
-            </a:r>
-            <a:r>
-              <a:rPr lang="en-US" sz="2400" dirty="0" err="1" smtClean="0">
-                <a:latin typeface="Times New Roman" panose="02020603050405020304" pitchFamily="18" charset="0"/>
-                <a:cs typeface="Times New Roman" panose="02020603050405020304" pitchFamily="18" charset="0"/>
-              </a:rPr>
-              <a:t>đơn</a:t>
-            </a:r>
-            <a:r>
-              <a:rPr lang="en-US" sz="2400" dirty="0" smtClean="0">
-                <a:latin typeface="Times New Roman" panose="02020603050405020304" pitchFamily="18" charset="0"/>
-                <a:cs typeface="Times New Roman" panose="02020603050405020304" pitchFamily="18" charset="0"/>
-              </a:rPr>
-              <a:t> </a:t>
-            </a:r>
-            <a:r>
-              <a:rPr lang="en-US" sz="2400" dirty="0" err="1" smtClean="0">
-                <a:latin typeface="Times New Roman" panose="02020603050405020304" pitchFamily="18" charset="0"/>
-                <a:cs typeface="Times New Roman" panose="02020603050405020304" pitchFamily="18" charset="0"/>
-              </a:rPr>
-              <a:t>sơ</a:t>
-            </a:r>
-            <a:r>
-              <a:rPr lang="en-US" sz="2400" dirty="0" smtClean="0">
-                <a:latin typeface="Times New Roman" panose="02020603050405020304" pitchFamily="18" charset="0"/>
-                <a:cs typeface="Times New Roman" panose="02020603050405020304" pitchFamily="18" charset="0"/>
-              </a:rPr>
-              <a:t>.</a:t>
-            </a:r>
-          </a:p>
-          <a:p>
-            <a:pPr marL="342900" indent="-342900">
-              <a:buFont typeface="Wingdings" panose="05000000000000000000" pitchFamily="2" charset="2"/>
-              <a:buChar char="v"/>
-            </a:pPr>
-            <a:r>
-              <a:rPr lang="en-US" sz="2400" dirty="0">
-                <a:latin typeface="Times New Roman" panose="02020603050405020304" pitchFamily="18" charset="0"/>
-                <a:cs typeface="Times New Roman" panose="02020603050405020304" pitchFamily="18" charset="0"/>
-              </a:rPr>
-              <a:t>H</a:t>
-            </a:r>
-            <a:r>
-              <a:rPr lang="vi-VN" sz="2400" dirty="0" smtClean="0">
-                <a:latin typeface="Times New Roman" panose="02020603050405020304" pitchFamily="18" charset="0"/>
-                <a:cs typeface="Times New Roman" panose="02020603050405020304" pitchFamily="18" charset="0"/>
-              </a:rPr>
-              <a:t>ệ </a:t>
-            </a:r>
-            <a:r>
-              <a:rPr lang="vi-VN" sz="2400" dirty="0">
-                <a:latin typeface="Times New Roman" panose="02020603050405020304" pitchFamily="18" charset="0"/>
-                <a:cs typeface="Times New Roman" panose="02020603050405020304" pitchFamily="18" charset="0"/>
-              </a:rPr>
-              <a:t>thống dừng lại ở chương trình thực nghiệm chưa được áp dụng vào thực tế.</a:t>
-            </a:r>
-            <a:endParaRPr lang="en-US" sz="2400" dirty="0" smtClean="0">
-              <a:latin typeface="Times New Roman" panose="02020603050405020304" pitchFamily="18" charset="0"/>
-              <a:cs typeface="Times New Roman" panose="02020603050405020304" pitchFamily="18" charset="0"/>
-            </a:endParaRPr>
-          </a:p>
-          <a:p>
-            <a:pPr marL="342900" indent="-342900">
-              <a:buFont typeface="Wingdings" panose="05000000000000000000" pitchFamily="2" charset="2"/>
-              <a:buChar char="v"/>
-            </a:pPr>
-            <a:endParaRPr lang="en-US" sz="2400" dirty="0">
-              <a:latin typeface="Times New Roman" panose="02020603050405020304" pitchFamily="18" charset="0"/>
-              <a:cs typeface="Times New Roman" panose="02020603050405020304" pitchFamily="18" charset="0"/>
-            </a:endParaRPr>
-          </a:p>
         </p:txBody>
       </p:sp>
-      <p:sp>
-        <p:nvSpPr>
-          <p:cNvPr id="8" name="TextBox 7"/>
-          <p:cNvSpPr txBox="1"/>
+      <p:pic>
+        <p:nvPicPr>
+          <p:cNvPr id="10" name="Picture 9"/>
+          <p:cNvPicPr/>
           <p:nvPr/>
-        </p:nvSpPr>
+        </p:nvPicPr>
+        <p:blipFill>
+          <a:blip r:embed="rId2"/>
+          <a:stretch>
+            <a:fillRect/>
+          </a:stretch>
+        </p:blipFill>
         <p:spPr>
           <a:xfrm>
-            <a:off x="5695073" y="3810000"/>
-            <a:ext cx="5106572" cy="1569660"/>
+            <a:off x="3060157" y="2133538"/>
+            <a:ext cx="5759450" cy="3237865"/>
           </a:xfrm>
           <a:prstGeom prst="rect">
             <a:avLst/>
           </a:prstGeom>
-          <a:noFill/>
         </p:spPr>
-        <p:txBody>
-          <a:bodyPr wrap="square" rtlCol="0">
-            <a:spAutoFit/>
-          </a:bodyPr>
-          <a:lstStyle/>
-          <a:p>
-            <a:pPr algn="ctr"/>
-            <a:r>
-              <a:rPr lang="en-US" sz="2400" dirty="0" err="1" smtClean="0">
-                <a:latin typeface="Times New Roman" panose="02020603050405020304" pitchFamily="18" charset="0"/>
-                <a:cs typeface="Times New Roman" panose="02020603050405020304" pitchFamily="18" charset="0"/>
-              </a:rPr>
-              <a:t>Hướng</a:t>
-            </a:r>
-            <a:r>
-              <a:rPr lang="en-US" sz="2400" dirty="0" smtClean="0">
-                <a:latin typeface="Times New Roman" panose="02020603050405020304" pitchFamily="18" charset="0"/>
-                <a:cs typeface="Times New Roman" panose="02020603050405020304" pitchFamily="18" charset="0"/>
-              </a:rPr>
-              <a:t> </a:t>
-            </a:r>
-            <a:r>
-              <a:rPr lang="en-US" sz="2400" dirty="0" err="1" smtClean="0">
-                <a:latin typeface="Times New Roman" panose="02020603050405020304" pitchFamily="18" charset="0"/>
-                <a:cs typeface="Times New Roman" panose="02020603050405020304" pitchFamily="18" charset="0"/>
-              </a:rPr>
-              <a:t>phát</a:t>
-            </a:r>
-            <a:r>
-              <a:rPr lang="en-US" sz="2400" dirty="0" smtClean="0">
-                <a:latin typeface="Times New Roman" panose="02020603050405020304" pitchFamily="18" charset="0"/>
-                <a:cs typeface="Times New Roman" panose="02020603050405020304" pitchFamily="18" charset="0"/>
-              </a:rPr>
-              <a:t> </a:t>
-            </a:r>
-            <a:r>
-              <a:rPr lang="en-US" sz="2400" dirty="0" err="1" smtClean="0">
-                <a:latin typeface="Times New Roman" panose="02020603050405020304" pitchFamily="18" charset="0"/>
-                <a:cs typeface="Times New Roman" panose="02020603050405020304" pitchFamily="18" charset="0"/>
-              </a:rPr>
-              <a:t>triển</a:t>
-            </a:r>
-            <a:endParaRPr lang="en-US" sz="2400" dirty="0" smtClean="0">
-              <a:latin typeface="Times New Roman" panose="02020603050405020304" pitchFamily="18" charset="0"/>
-              <a:cs typeface="Times New Roman" panose="02020603050405020304" pitchFamily="18" charset="0"/>
-            </a:endParaRPr>
-          </a:p>
-          <a:p>
-            <a:pPr marL="342900" indent="-342900">
-              <a:buFont typeface="Wingdings" panose="05000000000000000000" pitchFamily="2" charset="2"/>
-              <a:buChar char="v"/>
-            </a:pPr>
-            <a:r>
-              <a:rPr lang="vi-VN" sz="2400" dirty="0" smtClean="0">
-                <a:latin typeface="Times New Roman" panose="02020603050405020304" pitchFamily="18" charset="0"/>
-                <a:cs typeface="Times New Roman" panose="02020603050405020304" pitchFamily="18" charset="0"/>
-              </a:rPr>
-              <a:t>Thực hi</a:t>
-            </a:r>
-            <a:r>
-              <a:rPr lang="en-US" sz="2400" dirty="0" err="1" smtClean="0">
-                <a:latin typeface="Times New Roman" panose="02020603050405020304" pitchFamily="18" charset="0"/>
-                <a:cs typeface="Times New Roman" panose="02020603050405020304" pitchFamily="18" charset="0"/>
-              </a:rPr>
-              <a:t>ện</a:t>
-            </a:r>
-            <a:r>
-              <a:rPr lang="vi-VN" sz="2400" dirty="0" smtClean="0">
-                <a:latin typeface="Times New Roman" panose="02020603050405020304" pitchFamily="18" charset="0"/>
-                <a:cs typeface="Times New Roman" panose="02020603050405020304" pitchFamily="18" charset="0"/>
-              </a:rPr>
-              <a:t> </a:t>
-            </a:r>
-            <a:r>
-              <a:rPr lang="vi-VN" sz="2400" dirty="0">
-                <a:latin typeface="Times New Roman" panose="02020603050405020304" pitchFamily="18" charset="0"/>
-                <a:cs typeface="Times New Roman" panose="02020603050405020304" pitchFamily="18" charset="0"/>
-              </a:rPr>
-              <a:t>hoàn thành chức năng cũng như giao diện người </a:t>
-            </a:r>
-            <a:r>
-              <a:rPr lang="vi-VN" sz="2400" dirty="0" smtClean="0">
-                <a:latin typeface="Times New Roman" panose="02020603050405020304" pitchFamily="18" charset="0"/>
-                <a:cs typeface="Times New Roman" panose="02020603050405020304" pitchFamily="18" charset="0"/>
-              </a:rPr>
-              <a:t>dùng</a:t>
-            </a:r>
-            <a:r>
-              <a:rPr lang="en-US" sz="2400" dirty="0" smtClean="0">
-                <a:latin typeface="Times New Roman" panose="02020603050405020304" pitchFamily="18" charset="0"/>
-                <a:cs typeface="Times New Roman" panose="02020603050405020304" pitchFamily="18" charset="0"/>
-              </a:rPr>
-              <a:t>.</a:t>
-            </a:r>
-          </a:p>
-          <a:p>
-            <a:pPr marL="342900" indent="-342900">
-              <a:buFont typeface="Wingdings" panose="05000000000000000000" pitchFamily="2" charset="2"/>
-              <a:buChar char="v"/>
-            </a:pPr>
-            <a:endParaRPr lang="en-US" sz="2400" dirty="0">
-              <a:latin typeface="Times New Roman" panose="02020603050405020304" pitchFamily="18" charset="0"/>
-              <a:cs typeface="Times New Roman" panose="02020603050405020304" pitchFamily="18" charset="0"/>
-            </a:endParaRPr>
-          </a:p>
-        </p:txBody>
-      </p:sp>
+      </p:pic>
     </p:spTree>
     <p:extLst>
       <p:ext uri="{BB962C8B-B14F-4D97-AF65-F5344CB8AC3E}">
-        <p14:creationId xmlns:p14="http://schemas.microsoft.com/office/powerpoint/2010/main" val="2107173241"/>
+        <p14:creationId xmlns:p14="http://schemas.microsoft.com/office/powerpoint/2010/main" val="76495791"/>
       </p:ext>
     </p:extLst>
   </p:cSld>
@@ -12864,6 +12251,886 @@
           <a:p>
             <a:pPr algn="ctr"/>
             <a:r>
+              <a:rPr lang="en-US" sz="3600" dirty="0" err="1" smtClean="0">
+                <a:latin typeface="Times New Roman" panose="02020603050405020304" pitchFamily="18" charset="0"/>
+                <a:cs typeface="Times New Roman" panose="02020603050405020304" pitchFamily="18" charset="0"/>
+              </a:rPr>
+              <a:t>Kết</a:t>
+            </a:r>
+            <a:r>
+              <a:rPr lang="en-US" sz="3600" dirty="0" smtClean="0">
+                <a:latin typeface="Times New Roman" panose="02020603050405020304" pitchFamily="18" charset="0"/>
+                <a:cs typeface="Times New Roman" panose="02020603050405020304" pitchFamily="18" charset="0"/>
+              </a:rPr>
+              <a:t> </a:t>
+            </a:r>
+            <a:r>
+              <a:rPr lang="en-US" sz="3600" dirty="0" err="1" smtClean="0">
+                <a:latin typeface="Times New Roman" panose="02020603050405020304" pitchFamily="18" charset="0"/>
+                <a:cs typeface="Times New Roman" panose="02020603050405020304" pitchFamily="18" charset="0"/>
+              </a:rPr>
+              <a:t>luận</a:t>
+            </a:r>
+            <a:endParaRPr lang="en-US" sz="3600" dirty="0">
+              <a:latin typeface="Times New Roman" panose="02020603050405020304" pitchFamily="18" charset="0"/>
+              <a:cs typeface="Times New Roman" panose="02020603050405020304" pitchFamily="18" charset="0"/>
+            </a:endParaRPr>
+          </a:p>
+        </p:txBody>
+      </p:sp>
+      <p:sp>
+        <p:nvSpPr>
+          <p:cNvPr id="2" name="TextBox 1"/>
+          <p:cNvSpPr txBox="1"/>
+          <p:nvPr/>
+        </p:nvSpPr>
+        <p:spPr>
+          <a:xfrm>
+            <a:off x="2489982" y="1125415"/>
+            <a:ext cx="5908430" cy="1938992"/>
+          </a:xfrm>
+          <a:prstGeom prst="rect">
+            <a:avLst/>
+          </a:prstGeom>
+          <a:noFill/>
+        </p:spPr>
+        <p:txBody>
+          <a:bodyPr wrap="square" rtlCol="0">
+            <a:spAutoFit/>
+          </a:bodyPr>
+          <a:lstStyle/>
+          <a:p>
+            <a:pPr algn="ctr"/>
+            <a:r>
+              <a:rPr lang="en-US" sz="2400" dirty="0" err="1" smtClean="0">
+                <a:latin typeface="Times New Roman" panose="02020603050405020304" pitchFamily="18" charset="0"/>
+                <a:cs typeface="Times New Roman" panose="02020603050405020304" pitchFamily="18" charset="0"/>
+              </a:rPr>
+              <a:t>Kết</a:t>
+            </a:r>
+            <a:r>
+              <a:rPr lang="en-US" sz="2400" dirty="0" smtClean="0">
+                <a:latin typeface="Times New Roman" panose="02020603050405020304" pitchFamily="18" charset="0"/>
+                <a:cs typeface="Times New Roman" panose="02020603050405020304" pitchFamily="18" charset="0"/>
+              </a:rPr>
+              <a:t> </a:t>
+            </a:r>
+            <a:r>
+              <a:rPr lang="en-US" sz="2400" dirty="0" err="1" smtClean="0">
+                <a:latin typeface="Times New Roman" panose="02020603050405020304" pitchFamily="18" charset="0"/>
+                <a:cs typeface="Times New Roman" panose="02020603050405020304" pitchFamily="18" charset="0"/>
+              </a:rPr>
+              <a:t>quả</a:t>
+            </a:r>
+            <a:r>
+              <a:rPr lang="en-US" sz="2400" dirty="0" smtClean="0">
+                <a:latin typeface="Times New Roman" panose="02020603050405020304" pitchFamily="18" charset="0"/>
+                <a:cs typeface="Times New Roman" panose="02020603050405020304" pitchFamily="18" charset="0"/>
+              </a:rPr>
+              <a:t> </a:t>
+            </a:r>
+            <a:r>
+              <a:rPr lang="en-US" sz="2400" dirty="0" err="1" smtClean="0">
+                <a:latin typeface="Times New Roman" panose="02020603050405020304" pitchFamily="18" charset="0"/>
+                <a:cs typeface="Times New Roman" panose="02020603050405020304" pitchFamily="18" charset="0"/>
+              </a:rPr>
+              <a:t>đạt</a:t>
+            </a:r>
+            <a:r>
+              <a:rPr lang="en-US" sz="2400" dirty="0" smtClean="0">
+                <a:latin typeface="Times New Roman" panose="02020603050405020304" pitchFamily="18" charset="0"/>
+                <a:cs typeface="Times New Roman" panose="02020603050405020304" pitchFamily="18" charset="0"/>
+              </a:rPr>
+              <a:t> được</a:t>
+            </a:r>
+          </a:p>
+          <a:p>
+            <a:pPr algn="ctr"/>
+            <a:r>
+              <a:rPr lang="en-US" sz="2400" dirty="0" err="1" smtClean="0">
+                <a:latin typeface="Times New Roman" panose="02020603050405020304" pitchFamily="18" charset="0"/>
+                <a:cs typeface="Times New Roman" panose="02020603050405020304" pitchFamily="18" charset="0"/>
+              </a:rPr>
+              <a:t>Xây</a:t>
+            </a:r>
+            <a:r>
+              <a:rPr lang="en-US" sz="2400" dirty="0" smtClean="0">
+                <a:latin typeface="Times New Roman" panose="02020603050405020304" pitchFamily="18" charset="0"/>
+                <a:cs typeface="Times New Roman" panose="02020603050405020304" pitchFamily="18" charset="0"/>
+              </a:rPr>
+              <a:t> </a:t>
+            </a:r>
+            <a:r>
+              <a:rPr lang="en-US" sz="2400" dirty="0" err="1" smtClean="0">
+                <a:latin typeface="Times New Roman" panose="02020603050405020304" pitchFamily="18" charset="0"/>
+                <a:cs typeface="Times New Roman" panose="02020603050405020304" pitchFamily="18" charset="0"/>
+              </a:rPr>
+              <a:t>dựng</a:t>
+            </a:r>
+            <a:r>
+              <a:rPr lang="en-US" sz="2400" dirty="0" smtClean="0">
+                <a:latin typeface="Times New Roman" panose="02020603050405020304" pitchFamily="18" charset="0"/>
+                <a:cs typeface="Times New Roman" panose="02020603050405020304" pitchFamily="18" charset="0"/>
+              </a:rPr>
+              <a:t> được </a:t>
+            </a:r>
+            <a:r>
+              <a:rPr lang="en-US" sz="2400" dirty="0" err="1" smtClean="0">
+                <a:latin typeface="Times New Roman" panose="02020603050405020304" pitchFamily="18" charset="0"/>
+                <a:cs typeface="Times New Roman" panose="02020603050405020304" pitchFamily="18" charset="0"/>
+              </a:rPr>
+              <a:t>hệ</a:t>
+            </a:r>
+            <a:r>
+              <a:rPr lang="en-US" sz="2400" dirty="0" smtClean="0">
+                <a:latin typeface="Times New Roman" panose="02020603050405020304" pitchFamily="18" charset="0"/>
+                <a:cs typeface="Times New Roman" panose="02020603050405020304" pitchFamily="18" charset="0"/>
+              </a:rPr>
+              <a:t> </a:t>
+            </a:r>
+            <a:r>
+              <a:rPr lang="en-US" sz="2400" dirty="0" err="1" smtClean="0">
+                <a:latin typeface="Times New Roman" panose="02020603050405020304" pitchFamily="18" charset="0"/>
+                <a:cs typeface="Times New Roman" panose="02020603050405020304" pitchFamily="18" charset="0"/>
+              </a:rPr>
+              <a:t>thống</a:t>
+            </a:r>
+            <a:r>
+              <a:rPr lang="en-US" sz="2400" dirty="0" smtClean="0">
+                <a:latin typeface="Times New Roman" panose="02020603050405020304" pitchFamily="18" charset="0"/>
+                <a:cs typeface="Times New Roman" panose="02020603050405020304" pitchFamily="18" charset="0"/>
+              </a:rPr>
+              <a:t> </a:t>
+            </a:r>
+            <a:r>
+              <a:rPr lang="en-US" sz="2400" dirty="0" err="1" smtClean="0">
+                <a:latin typeface="Times New Roman" panose="02020603050405020304" pitchFamily="18" charset="0"/>
+                <a:cs typeface="Times New Roman" panose="02020603050405020304" pitchFamily="18" charset="0"/>
+              </a:rPr>
+              <a:t>quản</a:t>
+            </a:r>
+            <a:r>
+              <a:rPr lang="en-US" sz="2400" dirty="0" smtClean="0">
+                <a:latin typeface="Times New Roman" panose="02020603050405020304" pitchFamily="18" charset="0"/>
+                <a:cs typeface="Times New Roman" panose="02020603050405020304" pitchFamily="18" charset="0"/>
+              </a:rPr>
+              <a:t> </a:t>
+            </a:r>
+            <a:r>
+              <a:rPr lang="en-US" sz="2400" dirty="0" err="1" smtClean="0">
+                <a:latin typeface="Times New Roman" panose="02020603050405020304" pitchFamily="18" charset="0"/>
+                <a:cs typeface="Times New Roman" panose="02020603050405020304" pitchFamily="18" charset="0"/>
+              </a:rPr>
+              <a:t>lý</a:t>
+            </a:r>
+            <a:r>
+              <a:rPr lang="en-US" sz="2400" dirty="0" smtClean="0">
+                <a:latin typeface="Times New Roman" panose="02020603050405020304" pitchFamily="18" charset="0"/>
+                <a:cs typeface="Times New Roman" panose="02020603050405020304" pitchFamily="18" charset="0"/>
+              </a:rPr>
+              <a:t> </a:t>
+            </a:r>
+            <a:r>
+              <a:rPr lang="en-US" sz="2400" dirty="0" err="1" smtClean="0">
+                <a:latin typeface="Times New Roman" panose="02020603050405020304" pitchFamily="18" charset="0"/>
+                <a:cs typeface="Times New Roman" panose="02020603050405020304" pitchFamily="18" charset="0"/>
+              </a:rPr>
+              <a:t>truyện</a:t>
+            </a:r>
+            <a:r>
+              <a:rPr lang="en-US" sz="2400" dirty="0" smtClean="0">
+                <a:latin typeface="Times New Roman" panose="02020603050405020304" pitchFamily="18" charset="0"/>
+                <a:cs typeface="Times New Roman" panose="02020603050405020304" pitchFamily="18" charset="0"/>
+              </a:rPr>
+              <a:t> </a:t>
+            </a:r>
+            <a:r>
+              <a:rPr lang="en-US" sz="2400" dirty="0" err="1" smtClean="0">
+                <a:latin typeface="Times New Roman" panose="02020603050405020304" pitchFamily="18" charset="0"/>
+                <a:cs typeface="Times New Roman" panose="02020603050405020304" pitchFamily="18" charset="0"/>
+              </a:rPr>
+              <a:t>tranh</a:t>
+            </a:r>
+            <a:r>
+              <a:rPr lang="en-US" sz="2400" dirty="0" smtClean="0">
+                <a:latin typeface="Times New Roman" panose="02020603050405020304" pitchFamily="18" charset="0"/>
+                <a:cs typeface="Times New Roman" panose="02020603050405020304" pitchFamily="18" charset="0"/>
+              </a:rPr>
+              <a:t> </a:t>
+            </a:r>
+            <a:r>
+              <a:rPr lang="en-US" sz="2400" dirty="0" err="1" smtClean="0">
+                <a:latin typeface="Times New Roman" panose="02020603050405020304" pitchFamily="18" charset="0"/>
+                <a:cs typeface="Times New Roman" panose="02020603050405020304" pitchFamily="18" charset="0"/>
+              </a:rPr>
+              <a:t>và</a:t>
+            </a:r>
+            <a:r>
+              <a:rPr lang="en-US" sz="2400" dirty="0" smtClean="0">
+                <a:latin typeface="Times New Roman" panose="02020603050405020304" pitchFamily="18" charset="0"/>
+                <a:cs typeface="Times New Roman" panose="02020603050405020304" pitchFamily="18" charset="0"/>
+              </a:rPr>
+              <a:t> </a:t>
+            </a:r>
+            <a:r>
+              <a:rPr lang="en-US" sz="2400" dirty="0" err="1" smtClean="0">
+                <a:latin typeface="Times New Roman" panose="02020603050405020304" pitchFamily="18" charset="0"/>
+                <a:cs typeface="Times New Roman" panose="02020603050405020304" pitchFamily="18" charset="0"/>
+              </a:rPr>
+              <a:t>hỗ</a:t>
+            </a:r>
+            <a:r>
+              <a:rPr lang="en-US" sz="2400" dirty="0" smtClean="0">
+                <a:latin typeface="Times New Roman" panose="02020603050405020304" pitchFamily="18" charset="0"/>
+                <a:cs typeface="Times New Roman" panose="02020603050405020304" pitchFamily="18" charset="0"/>
+              </a:rPr>
+              <a:t> </a:t>
+            </a:r>
+            <a:r>
+              <a:rPr lang="en-US" sz="2400" dirty="0" err="1" smtClean="0">
+                <a:latin typeface="Times New Roman" panose="02020603050405020304" pitchFamily="18" charset="0"/>
+                <a:cs typeface="Times New Roman" panose="02020603050405020304" pitchFamily="18" charset="0"/>
+              </a:rPr>
+              <a:t>trợ</a:t>
+            </a:r>
+            <a:r>
+              <a:rPr lang="en-US" sz="2400" dirty="0" smtClean="0">
+                <a:latin typeface="Times New Roman" panose="02020603050405020304" pitchFamily="18" charset="0"/>
+                <a:cs typeface="Times New Roman" panose="02020603050405020304" pitchFamily="18" charset="0"/>
+              </a:rPr>
+              <a:t> </a:t>
+            </a:r>
+            <a:r>
+              <a:rPr lang="en-US" sz="2400" dirty="0" err="1" smtClean="0">
+                <a:latin typeface="Times New Roman" panose="02020603050405020304" pitchFamily="18" charset="0"/>
+                <a:cs typeface="Times New Roman" panose="02020603050405020304" pitchFamily="18" charset="0"/>
+              </a:rPr>
+              <a:t>tô</a:t>
+            </a:r>
+            <a:r>
+              <a:rPr lang="en-US" sz="2400" dirty="0" smtClean="0">
+                <a:latin typeface="Times New Roman" panose="02020603050405020304" pitchFamily="18" charset="0"/>
+                <a:cs typeface="Times New Roman" panose="02020603050405020304" pitchFamily="18" charset="0"/>
+              </a:rPr>
+              <a:t> </a:t>
+            </a:r>
+            <a:r>
+              <a:rPr lang="en-US" sz="2400" dirty="0" err="1" smtClean="0">
+                <a:latin typeface="Times New Roman" panose="02020603050405020304" pitchFamily="18" charset="0"/>
+                <a:cs typeface="Times New Roman" panose="02020603050405020304" pitchFamily="18" charset="0"/>
+              </a:rPr>
+              <a:t>màu</a:t>
+            </a:r>
+            <a:r>
+              <a:rPr lang="en-US" sz="2400" dirty="0" smtClean="0">
+                <a:latin typeface="Times New Roman" panose="02020603050405020304" pitchFamily="18" charset="0"/>
+                <a:cs typeface="Times New Roman" panose="02020603050405020304" pitchFamily="18" charset="0"/>
+              </a:rPr>
+              <a:t> </a:t>
+            </a:r>
+            <a:r>
+              <a:rPr lang="en-US" sz="2400" dirty="0" err="1" smtClean="0">
+                <a:latin typeface="Times New Roman" panose="02020603050405020304" pitchFamily="18" charset="0"/>
+                <a:cs typeface="Times New Roman" panose="02020603050405020304" pitchFamily="18" charset="0"/>
+              </a:rPr>
+              <a:t>cho</a:t>
+            </a:r>
+            <a:r>
+              <a:rPr lang="en-US" sz="2400" dirty="0" smtClean="0">
+                <a:latin typeface="Times New Roman" panose="02020603050405020304" pitchFamily="18" charset="0"/>
+                <a:cs typeface="Times New Roman" panose="02020603050405020304" pitchFamily="18" charset="0"/>
+              </a:rPr>
+              <a:t> </a:t>
+            </a:r>
+            <a:r>
+              <a:rPr lang="en-US" sz="2400" dirty="0" err="1" smtClean="0">
+                <a:latin typeface="Times New Roman" panose="02020603050405020304" pitchFamily="18" charset="0"/>
+                <a:cs typeface="Times New Roman" panose="02020603050405020304" pitchFamily="18" charset="0"/>
+              </a:rPr>
+              <a:t>truyện</a:t>
+            </a:r>
+            <a:r>
+              <a:rPr lang="en-US" sz="2400" dirty="0" smtClean="0">
+                <a:latin typeface="Times New Roman" panose="02020603050405020304" pitchFamily="18" charset="0"/>
+                <a:cs typeface="Times New Roman" panose="02020603050405020304" pitchFamily="18" charset="0"/>
+              </a:rPr>
+              <a:t> </a:t>
+            </a:r>
+            <a:r>
+              <a:rPr lang="en-US" sz="2400" dirty="0" err="1" smtClean="0">
+                <a:latin typeface="Times New Roman" panose="02020603050405020304" pitchFamily="18" charset="0"/>
+                <a:cs typeface="Times New Roman" panose="02020603050405020304" pitchFamily="18" charset="0"/>
+              </a:rPr>
+              <a:t>tranh</a:t>
+            </a:r>
+            <a:r>
+              <a:rPr lang="en-US" sz="2400" dirty="0" smtClean="0">
+                <a:latin typeface="Times New Roman" panose="02020603050405020304" pitchFamily="18" charset="0"/>
+                <a:cs typeface="Times New Roman" panose="02020603050405020304" pitchFamily="18" charset="0"/>
+              </a:rPr>
+              <a:t> </a:t>
+            </a:r>
+            <a:r>
+              <a:rPr lang="en-US" sz="2400" dirty="0" err="1" smtClean="0">
+                <a:latin typeface="Times New Roman" panose="02020603050405020304" pitchFamily="18" charset="0"/>
+                <a:cs typeface="Times New Roman" panose="02020603050405020304" pitchFamily="18" charset="0"/>
+              </a:rPr>
+              <a:t>đen</a:t>
+            </a:r>
+            <a:r>
+              <a:rPr lang="en-US" sz="2400" dirty="0" smtClean="0">
+                <a:latin typeface="Times New Roman" panose="02020603050405020304" pitchFamily="18" charset="0"/>
+                <a:cs typeface="Times New Roman" panose="02020603050405020304" pitchFamily="18" charset="0"/>
+              </a:rPr>
+              <a:t> </a:t>
+            </a:r>
+            <a:r>
+              <a:rPr lang="en-US" sz="2400" dirty="0" err="1" smtClean="0">
+                <a:latin typeface="Times New Roman" panose="02020603050405020304" pitchFamily="18" charset="0"/>
+                <a:cs typeface="Times New Roman" panose="02020603050405020304" pitchFamily="18" charset="0"/>
+              </a:rPr>
+              <a:t>trắng</a:t>
+            </a:r>
+            <a:r>
+              <a:rPr lang="en-US" sz="2400" dirty="0" smtClean="0">
+                <a:latin typeface="Times New Roman" panose="02020603050405020304" pitchFamily="18" charset="0"/>
+                <a:cs typeface="Times New Roman" panose="02020603050405020304" pitchFamily="18" charset="0"/>
+              </a:rPr>
+              <a:t> </a:t>
+            </a:r>
+            <a:r>
+              <a:rPr lang="en-US" sz="2400" dirty="0" err="1" smtClean="0">
+                <a:latin typeface="Times New Roman" panose="02020603050405020304" pitchFamily="18" charset="0"/>
+                <a:cs typeface="Times New Roman" panose="02020603050405020304" pitchFamily="18" charset="0"/>
+              </a:rPr>
+              <a:t>với</a:t>
+            </a:r>
+            <a:r>
+              <a:rPr lang="en-US" sz="2400" dirty="0" smtClean="0">
+                <a:latin typeface="Times New Roman" panose="02020603050405020304" pitchFamily="18" charset="0"/>
+                <a:cs typeface="Times New Roman" panose="02020603050405020304" pitchFamily="18" charset="0"/>
+              </a:rPr>
+              <a:t> các </a:t>
+            </a:r>
+            <a:r>
+              <a:rPr lang="en-US" sz="2400" dirty="0" err="1" smtClean="0">
+                <a:latin typeface="Times New Roman" panose="02020603050405020304" pitchFamily="18" charset="0"/>
+                <a:cs typeface="Times New Roman" panose="02020603050405020304" pitchFamily="18" charset="0"/>
+              </a:rPr>
+              <a:t>chức</a:t>
+            </a:r>
+            <a:r>
+              <a:rPr lang="en-US" sz="2400" dirty="0" smtClean="0">
+                <a:latin typeface="Times New Roman" panose="02020603050405020304" pitchFamily="18" charset="0"/>
+                <a:cs typeface="Times New Roman" panose="02020603050405020304" pitchFamily="18" charset="0"/>
+              </a:rPr>
+              <a:t> </a:t>
+            </a:r>
+            <a:r>
+              <a:rPr lang="en-US" sz="2400" dirty="0" err="1" smtClean="0">
+                <a:latin typeface="Times New Roman" panose="02020603050405020304" pitchFamily="18" charset="0"/>
+                <a:cs typeface="Times New Roman" panose="02020603050405020304" pitchFamily="18" charset="0"/>
+              </a:rPr>
+              <a:t>năng</a:t>
+            </a:r>
+            <a:r>
+              <a:rPr lang="en-US" sz="2400" dirty="0" smtClean="0">
+                <a:latin typeface="Times New Roman" panose="02020603050405020304" pitchFamily="18" charset="0"/>
+                <a:cs typeface="Times New Roman" panose="02020603050405020304" pitchFamily="18" charset="0"/>
+              </a:rPr>
+              <a:t> </a:t>
+            </a:r>
+            <a:r>
+              <a:rPr lang="en-US" sz="2400" dirty="0" err="1" smtClean="0">
+                <a:latin typeface="Times New Roman" panose="02020603050405020304" pitchFamily="18" charset="0"/>
+                <a:cs typeface="Times New Roman" panose="02020603050405020304" pitchFamily="18" charset="0"/>
+              </a:rPr>
+              <a:t>cơ</a:t>
+            </a:r>
+            <a:r>
+              <a:rPr lang="en-US" sz="2400" dirty="0" smtClean="0">
+                <a:latin typeface="Times New Roman" panose="02020603050405020304" pitchFamily="18" charset="0"/>
+                <a:cs typeface="Times New Roman" panose="02020603050405020304" pitchFamily="18" charset="0"/>
+              </a:rPr>
+              <a:t> </a:t>
+            </a:r>
+            <a:r>
+              <a:rPr lang="en-US" sz="2400" dirty="0" err="1" smtClean="0">
+                <a:latin typeface="Times New Roman" panose="02020603050405020304" pitchFamily="18" charset="0"/>
+                <a:cs typeface="Times New Roman" panose="02020603050405020304" pitchFamily="18" charset="0"/>
+              </a:rPr>
+              <a:t>bản</a:t>
+            </a:r>
+            <a:r>
+              <a:rPr lang="en-US" sz="2400" dirty="0">
+                <a:latin typeface="Times New Roman" panose="02020603050405020304" pitchFamily="18" charset="0"/>
+                <a:cs typeface="Times New Roman" panose="02020603050405020304" pitchFamily="18" charset="0"/>
+              </a:rPr>
+              <a:t>.</a:t>
+            </a:r>
+            <a:endParaRPr lang="en-US" sz="2400" dirty="0" smtClean="0">
+              <a:latin typeface="Times New Roman" panose="02020603050405020304" pitchFamily="18" charset="0"/>
+              <a:cs typeface="Times New Roman" panose="02020603050405020304" pitchFamily="18" charset="0"/>
+            </a:endParaRPr>
+          </a:p>
+          <a:p>
+            <a:pPr algn="ctr"/>
+            <a:endParaRPr lang="en-US" sz="2400" dirty="0">
+              <a:latin typeface="Times New Roman" panose="02020603050405020304" pitchFamily="18" charset="0"/>
+              <a:cs typeface="Times New Roman" panose="02020603050405020304" pitchFamily="18" charset="0"/>
+            </a:endParaRPr>
+          </a:p>
+        </p:txBody>
+      </p:sp>
+      <p:sp>
+        <p:nvSpPr>
+          <p:cNvPr id="5" name="TextBox 4"/>
+          <p:cNvSpPr txBox="1"/>
+          <p:nvPr/>
+        </p:nvSpPr>
+        <p:spPr>
+          <a:xfrm>
+            <a:off x="281354" y="3657600"/>
+            <a:ext cx="5106572" cy="3046988"/>
+          </a:xfrm>
+          <a:prstGeom prst="rect">
+            <a:avLst/>
+          </a:prstGeom>
+          <a:noFill/>
+        </p:spPr>
+        <p:txBody>
+          <a:bodyPr wrap="square" rtlCol="0">
+            <a:spAutoFit/>
+          </a:bodyPr>
+          <a:lstStyle/>
+          <a:p>
+            <a:pPr algn="ctr"/>
+            <a:r>
+              <a:rPr lang="en-US" sz="2400" dirty="0" err="1" smtClean="0">
+                <a:latin typeface="Times New Roman" panose="02020603050405020304" pitchFamily="18" charset="0"/>
+                <a:cs typeface="Times New Roman" panose="02020603050405020304" pitchFamily="18" charset="0"/>
+              </a:rPr>
+              <a:t>Hạn</a:t>
+            </a:r>
+            <a:r>
+              <a:rPr lang="en-US" sz="2400" dirty="0" smtClean="0">
+                <a:latin typeface="Times New Roman" panose="02020603050405020304" pitchFamily="18" charset="0"/>
+                <a:cs typeface="Times New Roman" panose="02020603050405020304" pitchFamily="18" charset="0"/>
+              </a:rPr>
+              <a:t> </a:t>
+            </a:r>
+            <a:r>
+              <a:rPr lang="en-US" sz="2400" dirty="0" err="1" smtClean="0">
+                <a:latin typeface="Times New Roman" panose="02020603050405020304" pitchFamily="18" charset="0"/>
+                <a:cs typeface="Times New Roman" panose="02020603050405020304" pitchFamily="18" charset="0"/>
+              </a:rPr>
+              <a:t>chế</a:t>
+            </a:r>
+            <a:endParaRPr lang="en-US" sz="2400" dirty="0" smtClean="0">
+              <a:latin typeface="Times New Roman" panose="02020603050405020304" pitchFamily="18" charset="0"/>
+              <a:cs typeface="Times New Roman" panose="02020603050405020304" pitchFamily="18" charset="0"/>
+            </a:endParaRPr>
+          </a:p>
+          <a:p>
+            <a:pPr marL="342900" indent="-342900">
+              <a:buFont typeface="Wingdings" panose="05000000000000000000" pitchFamily="2" charset="2"/>
+              <a:buChar char="v"/>
+            </a:pPr>
+            <a:r>
+              <a:rPr lang="en-US" sz="2400" dirty="0" smtClean="0">
+                <a:latin typeface="Times New Roman" panose="02020603050405020304" pitchFamily="18" charset="0"/>
+                <a:cs typeface="Times New Roman" panose="02020603050405020304" pitchFamily="18" charset="0"/>
+              </a:rPr>
+              <a:t>Các </a:t>
+            </a:r>
+            <a:r>
+              <a:rPr lang="en-US" sz="2400" dirty="0" err="1" smtClean="0">
+                <a:latin typeface="Times New Roman" panose="02020603050405020304" pitchFamily="18" charset="0"/>
+                <a:cs typeface="Times New Roman" panose="02020603050405020304" pitchFamily="18" charset="0"/>
+              </a:rPr>
+              <a:t>chức</a:t>
+            </a:r>
+            <a:r>
+              <a:rPr lang="en-US" sz="2400" dirty="0" smtClean="0">
+                <a:latin typeface="Times New Roman" panose="02020603050405020304" pitchFamily="18" charset="0"/>
+                <a:cs typeface="Times New Roman" panose="02020603050405020304" pitchFamily="18" charset="0"/>
+              </a:rPr>
+              <a:t> </a:t>
+            </a:r>
+            <a:r>
+              <a:rPr lang="en-US" sz="2400" dirty="0" err="1" smtClean="0">
+                <a:latin typeface="Times New Roman" panose="02020603050405020304" pitchFamily="18" charset="0"/>
+                <a:cs typeface="Times New Roman" panose="02020603050405020304" pitchFamily="18" charset="0"/>
+              </a:rPr>
+              <a:t>năng</a:t>
+            </a:r>
+            <a:r>
+              <a:rPr lang="en-US" sz="2400" dirty="0" smtClean="0">
+                <a:latin typeface="Times New Roman" panose="02020603050405020304" pitchFamily="18" charset="0"/>
+                <a:cs typeface="Times New Roman" panose="02020603050405020304" pitchFamily="18" charset="0"/>
+              </a:rPr>
+              <a:t> chưa </a:t>
+            </a:r>
+            <a:r>
+              <a:rPr lang="en-US" sz="2400" dirty="0" err="1" smtClean="0">
+                <a:latin typeface="Times New Roman" panose="02020603050405020304" pitchFamily="18" charset="0"/>
+                <a:cs typeface="Times New Roman" panose="02020603050405020304" pitchFamily="18" charset="0"/>
+              </a:rPr>
+              <a:t>thực</a:t>
+            </a:r>
+            <a:r>
+              <a:rPr lang="en-US" sz="2400" dirty="0" smtClean="0">
+                <a:latin typeface="Times New Roman" panose="02020603050405020304" pitchFamily="18" charset="0"/>
+                <a:cs typeface="Times New Roman" panose="02020603050405020304" pitchFamily="18" charset="0"/>
+              </a:rPr>
+              <a:t> </a:t>
+            </a:r>
+            <a:r>
+              <a:rPr lang="en-US" sz="2400" dirty="0" err="1" smtClean="0">
+                <a:latin typeface="Times New Roman" panose="02020603050405020304" pitchFamily="18" charset="0"/>
+                <a:cs typeface="Times New Roman" panose="02020603050405020304" pitchFamily="18" charset="0"/>
+              </a:rPr>
+              <a:t>sự</a:t>
+            </a:r>
+            <a:r>
+              <a:rPr lang="en-US" sz="2400" dirty="0" smtClean="0">
+                <a:latin typeface="Times New Roman" panose="02020603050405020304" pitchFamily="18" charset="0"/>
+                <a:cs typeface="Times New Roman" panose="02020603050405020304" pitchFamily="18" charset="0"/>
+              </a:rPr>
+              <a:t> </a:t>
+            </a:r>
+            <a:r>
+              <a:rPr lang="en-US" sz="2400" dirty="0" err="1" smtClean="0">
+                <a:latin typeface="Times New Roman" panose="02020603050405020304" pitchFamily="18" charset="0"/>
+                <a:cs typeface="Times New Roman" panose="02020603050405020304" pitchFamily="18" charset="0"/>
+              </a:rPr>
+              <a:t>hoàn</a:t>
+            </a:r>
+            <a:r>
+              <a:rPr lang="en-US" sz="2400" dirty="0" smtClean="0">
+                <a:latin typeface="Times New Roman" panose="02020603050405020304" pitchFamily="18" charset="0"/>
+                <a:cs typeface="Times New Roman" panose="02020603050405020304" pitchFamily="18" charset="0"/>
+              </a:rPr>
+              <a:t> </a:t>
+            </a:r>
+            <a:r>
+              <a:rPr lang="en-US" sz="2400" dirty="0" err="1" smtClean="0">
+                <a:latin typeface="Times New Roman" panose="02020603050405020304" pitchFamily="18" charset="0"/>
+                <a:cs typeface="Times New Roman" panose="02020603050405020304" pitchFamily="18" charset="0"/>
+              </a:rPr>
+              <a:t>chỉnh</a:t>
+            </a:r>
+            <a:r>
+              <a:rPr lang="en-US" sz="2400" dirty="0" smtClean="0">
+                <a:latin typeface="Times New Roman" panose="02020603050405020304" pitchFamily="18" charset="0"/>
+                <a:cs typeface="Times New Roman" panose="02020603050405020304" pitchFamily="18" charset="0"/>
+              </a:rPr>
+              <a:t>.</a:t>
+            </a:r>
+          </a:p>
+          <a:p>
+            <a:pPr marL="342900" indent="-342900">
+              <a:buFont typeface="Wingdings" panose="05000000000000000000" pitchFamily="2" charset="2"/>
+              <a:buChar char="v"/>
+            </a:pPr>
+            <a:r>
+              <a:rPr lang="en-US" sz="2400" dirty="0" err="1" smtClean="0">
+                <a:latin typeface="Times New Roman" panose="02020603050405020304" pitchFamily="18" charset="0"/>
+                <a:cs typeface="Times New Roman" panose="02020603050405020304" pitchFamily="18" charset="0"/>
+              </a:rPr>
+              <a:t>Giao</a:t>
+            </a:r>
+            <a:r>
+              <a:rPr lang="en-US" sz="2400" dirty="0" smtClean="0">
+                <a:latin typeface="Times New Roman" panose="02020603050405020304" pitchFamily="18" charset="0"/>
+                <a:cs typeface="Times New Roman" panose="02020603050405020304" pitchFamily="18" charset="0"/>
+              </a:rPr>
+              <a:t> </a:t>
+            </a:r>
+            <a:r>
+              <a:rPr lang="en-US" sz="2400" dirty="0" err="1" smtClean="0">
+                <a:latin typeface="Times New Roman" panose="02020603050405020304" pitchFamily="18" charset="0"/>
+                <a:cs typeface="Times New Roman" panose="02020603050405020304" pitchFamily="18" charset="0"/>
+              </a:rPr>
+              <a:t>diện</a:t>
+            </a:r>
+            <a:r>
+              <a:rPr lang="en-US" sz="2400" dirty="0" smtClean="0">
+                <a:latin typeface="Times New Roman" panose="02020603050405020304" pitchFamily="18" charset="0"/>
+                <a:cs typeface="Times New Roman" panose="02020603050405020304" pitchFamily="18" charset="0"/>
+              </a:rPr>
+              <a:t> </a:t>
+            </a:r>
+            <a:r>
+              <a:rPr lang="en-US" sz="2400" dirty="0" err="1" smtClean="0">
+                <a:latin typeface="Times New Roman" panose="02020603050405020304" pitchFamily="18" charset="0"/>
+                <a:cs typeface="Times New Roman" panose="02020603050405020304" pitchFamily="18" charset="0"/>
+              </a:rPr>
+              <a:t>còn</a:t>
+            </a:r>
+            <a:r>
+              <a:rPr lang="en-US" sz="2400" dirty="0" smtClean="0">
+                <a:latin typeface="Times New Roman" panose="02020603050405020304" pitchFamily="18" charset="0"/>
+                <a:cs typeface="Times New Roman" panose="02020603050405020304" pitchFamily="18" charset="0"/>
+              </a:rPr>
+              <a:t> </a:t>
+            </a:r>
+            <a:r>
+              <a:rPr lang="en-US" sz="2400" dirty="0" err="1" smtClean="0">
+                <a:latin typeface="Times New Roman" panose="02020603050405020304" pitchFamily="18" charset="0"/>
+                <a:cs typeface="Times New Roman" panose="02020603050405020304" pitchFamily="18" charset="0"/>
+              </a:rPr>
+              <a:t>đơn</a:t>
+            </a:r>
+            <a:r>
+              <a:rPr lang="en-US" sz="2400" dirty="0" smtClean="0">
+                <a:latin typeface="Times New Roman" panose="02020603050405020304" pitchFamily="18" charset="0"/>
+                <a:cs typeface="Times New Roman" panose="02020603050405020304" pitchFamily="18" charset="0"/>
+              </a:rPr>
+              <a:t> </a:t>
+            </a:r>
+            <a:r>
+              <a:rPr lang="en-US" sz="2400" dirty="0" err="1" smtClean="0">
+                <a:latin typeface="Times New Roman" panose="02020603050405020304" pitchFamily="18" charset="0"/>
+                <a:cs typeface="Times New Roman" panose="02020603050405020304" pitchFamily="18" charset="0"/>
+              </a:rPr>
+              <a:t>sơ</a:t>
+            </a:r>
+            <a:r>
+              <a:rPr lang="en-US" sz="2400" dirty="0" smtClean="0">
+                <a:latin typeface="Times New Roman" panose="02020603050405020304" pitchFamily="18" charset="0"/>
+                <a:cs typeface="Times New Roman" panose="02020603050405020304" pitchFamily="18" charset="0"/>
+              </a:rPr>
+              <a:t>.</a:t>
+            </a:r>
+          </a:p>
+          <a:p>
+            <a:pPr marL="342900" indent="-342900">
+              <a:buFont typeface="Wingdings" panose="05000000000000000000" pitchFamily="2" charset="2"/>
+              <a:buChar char="v"/>
+            </a:pPr>
+            <a:r>
+              <a:rPr lang="en-US" sz="2400" dirty="0">
+                <a:latin typeface="Times New Roman" panose="02020603050405020304" pitchFamily="18" charset="0"/>
+                <a:cs typeface="Times New Roman" panose="02020603050405020304" pitchFamily="18" charset="0"/>
+              </a:rPr>
+              <a:t>H</a:t>
+            </a:r>
+            <a:r>
+              <a:rPr lang="vi-VN" sz="2400" dirty="0" smtClean="0">
+                <a:latin typeface="Times New Roman" panose="02020603050405020304" pitchFamily="18" charset="0"/>
+                <a:cs typeface="Times New Roman" panose="02020603050405020304" pitchFamily="18" charset="0"/>
+              </a:rPr>
+              <a:t>ệ </a:t>
+            </a:r>
+            <a:r>
+              <a:rPr lang="vi-VN" sz="2400" dirty="0">
+                <a:latin typeface="Times New Roman" panose="02020603050405020304" pitchFamily="18" charset="0"/>
+                <a:cs typeface="Times New Roman" panose="02020603050405020304" pitchFamily="18" charset="0"/>
+              </a:rPr>
+              <a:t>thống dừng lại ở chương trình thực nghiệm chưa được áp dụng vào thực tế.</a:t>
+            </a:r>
+            <a:endParaRPr lang="en-US" sz="2400" dirty="0" smtClean="0">
+              <a:latin typeface="Times New Roman" panose="02020603050405020304" pitchFamily="18" charset="0"/>
+              <a:cs typeface="Times New Roman" panose="02020603050405020304" pitchFamily="18" charset="0"/>
+            </a:endParaRPr>
+          </a:p>
+          <a:p>
+            <a:pPr marL="342900" indent="-342900">
+              <a:buFont typeface="Wingdings" panose="05000000000000000000" pitchFamily="2" charset="2"/>
+              <a:buChar char="v"/>
+            </a:pPr>
+            <a:endParaRPr lang="en-US" sz="2400" dirty="0">
+              <a:latin typeface="Times New Roman" panose="02020603050405020304" pitchFamily="18" charset="0"/>
+              <a:cs typeface="Times New Roman" panose="02020603050405020304" pitchFamily="18" charset="0"/>
+            </a:endParaRPr>
+          </a:p>
+        </p:txBody>
+      </p:sp>
+      <p:sp>
+        <p:nvSpPr>
+          <p:cNvPr id="8" name="TextBox 7"/>
+          <p:cNvSpPr txBox="1"/>
+          <p:nvPr/>
+        </p:nvSpPr>
+        <p:spPr>
+          <a:xfrm>
+            <a:off x="5695073" y="3810000"/>
+            <a:ext cx="5106572" cy="1569660"/>
+          </a:xfrm>
+          <a:prstGeom prst="rect">
+            <a:avLst/>
+          </a:prstGeom>
+          <a:noFill/>
+        </p:spPr>
+        <p:txBody>
+          <a:bodyPr wrap="square" rtlCol="0">
+            <a:spAutoFit/>
+          </a:bodyPr>
+          <a:lstStyle/>
+          <a:p>
+            <a:pPr algn="ctr"/>
+            <a:r>
+              <a:rPr lang="en-US" sz="2400" dirty="0" err="1" smtClean="0">
+                <a:latin typeface="Times New Roman" panose="02020603050405020304" pitchFamily="18" charset="0"/>
+                <a:cs typeface="Times New Roman" panose="02020603050405020304" pitchFamily="18" charset="0"/>
+              </a:rPr>
+              <a:t>Hướng</a:t>
+            </a:r>
+            <a:r>
+              <a:rPr lang="en-US" sz="2400" dirty="0" smtClean="0">
+                <a:latin typeface="Times New Roman" panose="02020603050405020304" pitchFamily="18" charset="0"/>
+                <a:cs typeface="Times New Roman" panose="02020603050405020304" pitchFamily="18" charset="0"/>
+              </a:rPr>
+              <a:t> </a:t>
+            </a:r>
+            <a:r>
+              <a:rPr lang="en-US" sz="2400" dirty="0" err="1" smtClean="0">
+                <a:latin typeface="Times New Roman" panose="02020603050405020304" pitchFamily="18" charset="0"/>
+                <a:cs typeface="Times New Roman" panose="02020603050405020304" pitchFamily="18" charset="0"/>
+              </a:rPr>
+              <a:t>phát</a:t>
+            </a:r>
+            <a:r>
+              <a:rPr lang="en-US" sz="2400" dirty="0" smtClean="0">
+                <a:latin typeface="Times New Roman" panose="02020603050405020304" pitchFamily="18" charset="0"/>
+                <a:cs typeface="Times New Roman" panose="02020603050405020304" pitchFamily="18" charset="0"/>
+              </a:rPr>
+              <a:t> </a:t>
+            </a:r>
+            <a:r>
+              <a:rPr lang="en-US" sz="2400" dirty="0" err="1" smtClean="0">
+                <a:latin typeface="Times New Roman" panose="02020603050405020304" pitchFamily="18" charset="0"/>
+                <a:cs typeface="Times New Roman" panose="02020603050405020304" pitchFamily="18" charset="0"/>
+              </a:rPr>
+              <a:t>triển</a:t>
+            </a:r>
+            <a:endParaRPr lang="en-US" sz="2400" dirty="0" smtClean="0">
+              <a:latin typeface="Times New Roman" panose="02020603050405020304" pitchFamily="18" charset="0"/>
+              <a:cs typeface="Times New Roman" panose="02020603050405020304" pitchFamily="18" charset="0"/>
+            </a:endParaRPr>
+          </a:p>
+          <a:p>
+            <a:pPr marL="342900" indent="-342900">
+              <a:buFont typeface="Wingdings" panose="05000000000000000000" pitchFamily="2" charset="2"/>
+              <a:buChar char="v"/>
+            </a:pPr>
+            <a:r>
+              <a:rPr lang="vi-VN" sz="2400" dirty="0" smtClean="0">
+                <a:latin typeface="Times New Roman" panose="02020603050405020304" pitchFamily="18" charset="0"/>
+                <a:cs typeface="Times New Roman" panose="02020603050405020304" pitchFamily="18" charset="0"/>
+              </a:rPr>
+              <a:t>Thực hi</a:t>
+            </a:r>
+            <a:r>
+              <a:rPr lang="en-US" sz="2400" dirty="0" err="1" smtClean="0">
+                <a:latin typeface="Times New Roman" panose="02020603050405020304" pitchFamily="18" charset="0"/>
+                <a:cs typeface="Times New Roman" panose="02020603050405020304" pitchFamily="18" charset="0"/>
+              </a:rPr>
+              <a:t>ện</a:t>
+            </a:r>
+            <a:r>
+              <a:rPr lang="vi-VN" sz="2400" dirty="0" smtClean="0">
+                <a:latin typeface="Times New Roman" panose="02020603050405020304" pitchFamily="18" charset="0"/>
+                <a:cs typeface="Times New Roman" panose="02020603050405020304" pitchFamily="18" charset="0"/>
+              </a:rPr>
+              <a:t> </a:t>
+            </a:r>
+            <a:r>
+              <a:rPr lang="vi-VN" sz="2400" dirty="0">
+                <a:latin typeface="Times New Roman" panose="02020603050405020304" pitchFamily="18" charset="0"/>
+                <a:cs typeface="Times New Roman" panose="02020603050405020304" pitchFamily="18" charset="0"/>
+              </a:rPr>
+              <a:t>hoàn thành chức năng cũng như giao diện người </a:t>
+            </a:r>
+            <a:r>
+              <a:rPr lang="vi-VN" sz="2400" dirty="0" smtClean="0">
+                <a:latin typeface="Times New Roman" panose="02020603050405020304" pitchFamily="18" charset="0"/>
+                <a:cs typeface="Times New Roman" panose="02020603050405020304" pitchFamily="18" charset="0"/>
+              </a:rPr>
+              <a:t>dùng</a:t>
+            </a:r>
+            <a:r>
+              <a:rPr lang="en-US" sz="2400" dirty="0" smtClean="0">
+                <a:latin typeface="Times New Roman" panose="02020603050405020304" pitchFamily="18" charset="0"/>
+                <a:cs typeface="Times New Roman" panose="02020603050405020304" pitchFamily="18" charset="0"/>
+              </a:rPr>
+              <a:t>.</a:t>
+            </a:r>
+          </a:p>
+          <a:p>
+            <a:pPr marL="342900" indent="-342900">
+              <a:buFont typeface="Wingdings" panose="05000000000000000000" pitchFamily="2" charset="2"/>
+              <a:buChar char="v"/>
+            </a:pPr>
+            <a:endParaRPr lang="en-US" sz="2400" dirty="0">
+              <a:latin typeface="Times New Roman" panose="02020603050405020304" pitchFamily="18" charset="0"/>
+              <a:cs typeface="Times New Roman" panose="02020603050405020304" pitchFamily="18" charset="0"/>
+            </a:endParaRPr>
+          </a:p>
+        </p:txBody>
+      </p:sp>
+    </p:spTree>
+    <p:extLst>
+      <p:ext uri="{BB962C8B-B14F-4D97-AF65-F5344CB8AC3E}">
+        <p14:creationId xmlns:p14="http://schemas.microsoft.com/office/powerpoint/2010/main" val="2107173241"/>
+      </p:ext>
+    </p:extLst>
+  </p:cSld>
+  <p:clrMapOvr>
+    <a:masterClrMapping/>
+  </p:clrMapOvr>
+  <p:timing>
+    <p:tnLst>
+      <p:par>
+        <p:cTn id="1" dur="indefinite" restart="never" nodeType="tmRoot"/>
+      </p:par>
+    </p:tnLst>
+  </p:timing>
+</p:sld>
+</file>
+
+<file path=ppt/slides/slide21.xml><?xml version="1.0" encoding="utf-8"?>
+<p:sld xmlns:a="http://schemas.openxmlformats.org/drawingml/2006/main" xmlns:r="http://schemas.openxmlformats.org/officeDocument/2006/relationships" xmlns:p="http://schemas.openxmlformats.org/presentationml/2006/main">
+  <p:cSld>
+    <p:spTree>
+      <p:nvGrpSpPr>
+        <p:cNvPr id="1" name=""/>
+        <p:cNvGrpSpPr/>
+        <p:nvPr/>
+      </p:nvGrpSpPr>
+      <p:grpSpPr>
+        <a:xfrm>
+          <a:off x="0" y="0"/>
+          <a:ext cx="0" cy="0"/>
+          <a:chOff x="0" y="0"/>
+          <a:chExt cx="0" cy="0"/>
+        </a:xfrm>
+      </p:grpSpPr>
+      <p:sp>
+        <p:nvSpPr>
+          <p:cNvPr id="3" name="TextBox 2"/>
+          <p:cNvSpPr txBox="1"/>
+          <p:nvPr/>
+        </p:nvSpPr>
+        <p:spPr>
+          <a:xfrm>
+            <a:off x="1645920" y="196947"/>
+            <a:ext cx="7596554" cy="646331"/>
+          </a:xfrm>
+          <a:prstGeom prst="rect">
+            <a:avLst/>
+          </a:prstGeom>
+          <a:noFill/>
+        </p:spPr>
+        <p:txBody>
+          <a:bodyPr wrap="square" rtlCol="0">
+            <a:spAutoFit/>
+          </a:bodyPr>
+          <a:lstStyle/>
+          <a:p>
+            <a:pPr algn="ctr"/>
+            <a:r>
               <a:rPr lang="en-US" sz="3600" dirty="0" smtClean="0">
                 <a:latin typeface="Times New Roman" panose="02020603050405020304" pitchFamily="18" charset="0"/>
                 <a:cs typeface="Times New Roman" panose="02020603050405020304" pitchFamily="18" charset="0"/>
@@ -12897,7 +13164,7 @@
 </p:sld>
 </file>
 
-<file path=ppt/slides/slide21.xml><?xml version="1.0" encoding="utf-8"?>
+<file path=ppt/slides/slide22.xml><?xml version="1.0" encoding="utf-8"?>
 <p:sld xmlns:a="http://schemas.openxmlformats.org/drawingml/2006/main" xmlns:r="http://schemas.openxmlformats.org/officeDocument/2006/relationships" xmlns:p="http://schemas.openxmlformats.org/presentationml/2006/main">
   <p:cSld>
     <p:spTree>
@@ -13921,77 +14188,49 @@
                 <a:latin typeface="Times New Roman" panose="02020603050405020304" pitchFamily="18" charset="0"/>
                 <a:cs typeface="Times New Roman" panose="02020603050405020304" pitchFamily="18" charset="0"/>
               </a:rPr>
-              <a:t>Phát</a:t>
-            </a:r>
-            <a:r>
-              <a:rPr lang="en-US" sz="2400" dirty="0" smtClean="0">
-                <a:latin typeface="Times New Roman" panose="02020603050405020304" pitchFamily="18" charset="0"/>
-                <a:cs typeface="Times New Roman" panose="02020603050405020304" pitchFamily="18" charset="0"/>
-              </a:rPr>
-              <a:t> </a:t>
-            </a:r>
-            <a:r>
-              <a:rPr lang="en-US" sz="2400" dirty="0" err="1" smtClean="0">
-                <a:latin typeface="Times New Roman" panose="02020603050405020304" pitchFamily="18" charset="0"/>
-                <a:cs typeface="Times New Roman" panose="02020603050405020304" pitchFamily="18" charset="0"/>
-              </a:rPr>
-              <a:t>triển</a:t>
-            </a:r>
-            <a:r>
-              <a:rPr lang="en-US" sz="2400" dirty="0" smtClean="0">
-                <a:latin typeface="Times New Roman" panose="02020603050405020304" pitchFamily="18" charset="0"/>
-                <a:cs typeface="Times New Roman" panose="02020603050405020304" pitchFamily="18" charset="0"/>
-              </a:rPr>
-              <a:t> website, </a:t>
-            </a:r>
-            <a:r>
-              <a:rPr lang="en-US" sz="2400" dirty="0" err="1" smtClean="0">
-                <a:latin typeface="Times New Roman" panose="02020603050405020304" pitchFamily="18" charset="0"/>
-                <a:cs typeface="Times New Roman" panose="02020603050405020304" pitchFamily="18" charset="0"/>
-              </a:rPr>
-              <a:t>áp</a:t>
-            </a:r>
-            <a:r>
-              <a:rPr lang="en-US" sz="2400" dirty="0" smtClean="0">
-                <a:latin typeface="Times New Roman" panose="02020603050405020304" pitchFamily="18" charset="0"/>
-                <a:cs typeface="Times New Roman" panose="02020603050405020304" pitchFamily="18" charset="0"/>
-              </a:rPr>
-              <a:t> </a:t>
-            </a:r>
-            <a:r>
-              <a:rPr lang="en-US" sz="2400" dirty="0" err="1" smtClean="0">
-                <a:latin typeface="Times New Roman" panose="02020603050405020304" pitchFamily="18" charset="0"/>
-                <a:cs typeface="Times New Roman" panose="02020603050405020304" pitchFamily="18" charset="0"/>
-              </a:rPr>
-              <a:t>dụng</a:t>
-            </a:r>
-            <a:r>
-              <a:rPr lang="en-US" sz="2400" dirty="0" smtClean="0">
-                <a:latin typeface="Times New Roman" panose="02020603050405020304" pitchFamily="18" charset="0"/>
-                <a:cs typeface="Times New Roman" panose="02020603050405020304" pitchFamily="18" charset="0"/>
-              </a:rPr>
-              <a:t> được vào </a:t>
-            </a:r>
-            <a:r>
-              <a:rPr lang="en-US" sz="2400" dirty="0" err="1" smtClean="0">
-                <a:latin typeface="Times New Roman" panose="02020603050405020304" pitchFamily="18" charset="0"/>
-                <a:cs typeface="Times New Roman" panose="02020603050405020304" pitchFamily="18" charset="0"/>
-              </a:rPr>
-              <a:t>thực</a:t>
-            </a:r>
-            <a:r>
-              <a:rPr lang="en-US" sz="2400" dirty="0" smtClean="0">
-                <a:latin typeface="Times New Roman" panose="02020603050405020304" pitchFamily="18" charset="0"/>
-                <a:cs typeface="Times New Roman" panose="02020603050405020304" pitchFamily="18" charset="0"/>
-              </a:rPr>
-              <a:t> </a:t>
-            </a:r>
-            <a:r>
-              <a:rPr lang="en-US" sz="2400" dirty="0" err="1" smtClean="0">
-                <a:latin typeface="Times New Roman" panose="02020603050405020304" pitchFamily="18" charset="0"/>
-                <a:cs typeface="Times New Roman" panose="02020603050405020304" pitchFamily="18" charset="0"/>
-              </a:rPr>
-              <a:t>tế</a:t>
+              <a:t>Thử</a:t>
+            </a:r>
+            <a:r>
+              <a:rPr lang="en-US" sz="2400" dirty="0" smtClean="0">
+                <a:latin typeface="Times New Roman" panose="02020603050405020304" pitchFamily="18" charset="0"/>
+                <a:cs typeface="Times New Roman" panose="02020603050405020304" pitchFamily="18" charset="0"/>
+              </a:rPr>
+              <a:t> </a:t>
+            </a:r>
+            <a:r>
+              <a:rPr lang="en-US" sz="2400" dirty="0" err="1" smtClean="0">
+                <a:latin typeface="Times New Roman" panose="02020603050405020304" pitchFamily="18" charset="0"/>
+                <a:cs typeface="Times New Roman" panose="02020603050405020304" pitchFamily="18" charset="0"/>
+              </a:rPr>
+              <a:t>nghiệm</a:t>
+            </a:r>
+            <a:r>
+              <a:rPr lang="en-US" sz="2400" dirty="0" smtClean="0">
+                <a:latin typeface="Times New Roman" panose="02020603050405020304" pitchFamily="18" charset="0"/>
+                <a:cs typeface="Times New Roman" panose="02020603050405020304" pitchFamily="18" charset="0"/>
+              </a:rPr>
+              <a:t>, </a:t>
+            </a:r>
+            <a:r>
+              <a:rPr lang="en-US" sz="2400" dirty="0" err="1" smtClean="0">
+                <a:latin typeface="Times New Roman" panose="02020603050405020304" pitchFamily="18" charset="0"/>
+                <a:cs typeface="Times New Roman" panose="02020603050405020304" pitchFamily="18" charset="0"/>
+              </a:rPr>
+              <a:t>đánh</a:t>
+            </a:r>
+            <a:r>
+              <a:rPr lang="en-US" sz="2400" dirty="0" smtClean="0">
+                <a:latin typeface="Times New Roman" panose="02020603050405020304" pitchFamily="18" charset="0"/>
+                <a:cs typeface="Times New Roman" panose="02020603050405020304" pitchFamily="18" charset="0"/>
+              </a:rPr>
+              <a:t> </a:t>
+            </a:r>
+            <a:r>
+              <a:rPr lang="en-US" sz="2400" dirty="0" err="1" smtClean="0">
+                <a:latin typeface="Times New Roman" panose="02020603050405020304" pitchFamily="18" charset="0"/>
+                <a:cs typeface="Times New Roman" panose="02020603050405020304" pitchFamily="18" charset="0"/>
+              </a:rPr>
+              <a:t>giá</a:t>
             </a:r>
             <a:r>
               <a:rPr lang="en-US" sz="2400" dirty="0" smtClean="0">
@@ -14654,36 +14893,19 @@
                 <a:latin typeface="Times New Roman" panose="02020603050405020304" pitchFamily="18" charset="0"/>
                 <a:cs typeface="Times New Roman" panose="02020603050405020304" pitchFamily="18" charset="0"/>
               </a:rPr>
-              <a:t> online </a:t>
-            </a:r>
-            <a:r>
-              <a:rPr lang="en-US" sz="2400" dirty="0" err="1" smtClean="0">
-                <a:latin typeface="Times New Roman" panose="02020603050405020304" pitchFamily="18" charset="0"/>
-                <a:cs typeface="Times New Roman" panose="02020603050405020304" pitchFamily="18" charset="0"/>
-              </a:rPr>
-              <a:t>trên</a:t>
-            </a:r>
-            <a:r>
-              <a:rPr lang="en-US" sz="2400" dirty="0" smtClean="0">
-                <a:latin typeface="Times New Roman" panose="02020603050405020304" pitchFamily="18" charset="0"/>
-                <a:cs typeface="Times New Roman" panose="02020603050405020304" pitchFamily="18" charset="0"/>
-              </a:rPr>
-              <a:t> </a:t>
-            </a:r>
-            <a:r>
-              <a:rPr lang="en-US" sz="2400" dirty="0" err="1" smtClean="0">
-                <a:latin typeface="Times New Roman" panose="02020603050405020304" pitchFamily="18" charset="0"/>
-                <a:cs typeface="Times New Roman" panose="02020603050405020304" pitchFamily="18" charset="0"/>
-              </a:rPr>
-              <a:t>mạng</a:t>
-            </a:r>
-            <a:r>
-              <a:rPr lang="en-US" sz="2400" dirty="0" smtClean="0">
-                <a:latin typeface="Times New Roman" panose="02020603050405020304" pitchFamily="18" charset="0"/>
-                <a:cs typeface="Times New Roman" panose="02020603050405020304" pitchFamily="18" charset="0"/>
-              </a:rPr>
-              <a:t>.</a:t>
-            </a:r>
+              <a:t> </a:t>
+            </a:r>
+            <a:r>
+              <a:rPr lang="en-US" sz="2400" dirty="0" smtClean="0">
+                <a:latin typeface="Times New Roman" panose="02020603050405020304" pitchFamily="18" charset="0"/>
+                <a:cs typeface="Times New Roman" panose="02020603050405020304" pitchFamily="18" charset="0"/>
+              </a:rPr>
+              <a:t>online.</a:t>
+            </a:r>
+            <a:endParaRPr lang="en-US" sz="2400" dirty="0" smtClean="0">
+              <a:latin typeface="Times New Roman" panose="02020603050405020304" pitchFamily="18" charset="0"/>
+              <a:cs typeface="Times New Roman" panose="02020603050405020304" pitchFamily="18" charset="0"/>
+            </a:endParaRPr>
           </a:p>
           <a:p>
             <a:endParaRPr lang="en-US" sz="2400" dirty="0">
